--- a/Documentação/slide v0.6.pptx
+++ b/Documentação/slide v0.6.pptx
@@ -2991,7 +2991,7 @@
           <p:cNvPr id="2" name="Rectangle: Rounded Corners 1">
             <a:extLst>
               <a:ext uri="{FF2B5EF4-FFF2-40B4-BE49-F238E27FC236}">
-                <a16:creationId xmlns:a16="http://schemas.microsoft.com/office/drawing/2014/main" xmlns="" id="{1678591B-5872-4D1A-943E-5BC3264C3CFB}"/>
+                <a16:creationId xmlns:a16="http://schemas.microsoft.com/office/drawing/2014/main" id="{1678591B-5872-4D1A-943E-5BC3264C3CFB}"/>
               </a:ext>
             </a:extLst>
           </p:cNvPr>
@@ -3045,7 +3045,7 @@
           <p:cNvPr id="2050" name="Picture 2">
             <a:extLst>
               <a:ext uri="{FF2B5EF4-FFF2-40B4-BE49-F238E27FC236}">
-                <a16:creationId xmlns:a16="http://schemas.microsoft.com/office/drawing/2014/main" xmlns="" id="{C727CAE5-80E2-41CE-B37E-BBFAE305DF84}"/>
+                <a16:creationId xmlns:a16="http://schemas.microsoft.com/office/drawing/2014/main" id="{C727CAE5-80E2-41CE-B37E-BBFAE305DF84}"/>
               </a:ext>
             </a:extLst>
           </p:cNvPr>
@@ -3092,7 +3092,7 @@
           <p:cNvPr id="4" name="Rectangle: Rounded Corners 3">
             <a:extLst>
               <a:ext uri="{FF2B5EF4-FFF2-40B4-BE49-F238E27FC236}">
-                <a16:creationId xmlns:a16="http://schemas.microsoft.com/office/drawing/2014/main" xmlns="" id="{C0D744C7-2B31-44CA-BA1F-D2700F2BF96D}"/>
+                <a16:creationId xmlns:a16="http://schemas.microsoft.com/office/drawing/2014/main" id="{C0D744C7-2B31-44CA-BA1F-D2700F2BF96D}"/>
               </a:ext>
             </a:extLst>
           </p:cNvPr>
@@ -3274,7 +3274,7 @@
           <p:cNvPr id="7" name="Título 1">
             <a:extLst>
               <a:ext uri="{FF2B5EF4-FFF2-40B4-BE49-F238E27FC236}">
-                <a16:creationId xmlns:a16="http://schemas.microsoft.com/office/drawing/2014/main" xmlns="" id="{99F76FBE-1BC2-4EE6-B90A-22263BF7BDCD}"/>
+                <a16:creationId xmlns:a16="http://schemas.microsoft.com/office/drawing/2014/main" id="{99F76FBE-1BC2-4EE6-B90A-22263BF7BDCD}"/>
               </a:ext>
             </a:extLst>
           </p:cNvPr>
@@ -3337,7 +3337,7 @@
           <p:cNvPr id="3" name="Imagem 2" descr="Homem de terno e gravata&#10;&#10;Descrição gerada automaticamente">
             <a:extLst>
               <a:ext uri="{FF2B5EF4-FFF2-40B4-BE49-F238E27FC236}">
-                <a16:creationId xmlns:a16="http://schemas.microsoft.com/office/drawing/2014/main" xmlns="" id="{45A7DAAC-3A03-41B9-9567-0893A169710D}"/>
+                <a16:creationId xmlns:a16="http://schemas.microsoft.com/office/drawing/2014/main" id="{45A7DAAC-3A03-41B9-9567-0893A169710D}"/>
               </a:ext>
             </a:extLst>
           </p:cNvPr>
@@ -3373,7 +3373,7 @@
           <p:cNvPr id="4" name="Picture 2">
             <a:extLst>
               <a:ext uri="{FF2B5EF4-FFF2-40B4-BE49-F238E27FC236}">
-                <a16:creationId xmlns:a16="http://schemas.microsoft.com/office/drawing/2014/main" xmlns="" id="{EF083EFE-E484-4847-A645-55EC0AADCCE5}"/>
+                <a16:creationId xmlns:a16="http://schemas.microsoft.com/office/drawing/2014/main" id="{EF083EFE-E484-4847-A645-55EC0AADCCE5}"/>
               </a:ext>
             </a:extLst>
           </p:cNvPr>
@@ -3420,7 +3420,7 @@
           <p:cNvPr id="2" name="Straight Arrow Connector 1">
             <a:extLst>
               <a:ext uri="{FF2B5EF4-FFF2-40B4-BE49-F238E27FC236}">
-                <a16:creationId xmlns:a16="http://schemas.microsoft.com/office/drawing/2014/main" xmlns="" id="{8BC350D6-EEE4-4369-B0B7-E605D1C2FDBA}"/>
+                <a16:creationId xmlns:a16="http://schemas.microsoft.com/office/drawing/2014/main" id="{8BC350D6-EEE4-4369-B0B7-E605D1C2FDBA}"/>
               </a:ext>
             </a:extLst>
           </p:cNvPr>
@@ -3461,7 +3461,7 @@
           <p:cNvPr id="6" name="Título 1">
             <a:extLst>
               <a:ext uri="{FF2B5EF4-FFF2-40B4-BE49-F238E27FC236}">
-                <a16:creationId xmlns:a16="http://schemas.microsoft.com/office/drawing/2014/main" xmlns="" id="{A15A3B00-7CB9-480C-A836-9AB25F3FC0B6}"/>
+                <a16:creationId xmlns:a16="http://schemas.microsoft.com/office/drawing/2014/main" id="{A15A3B00-7CB9-480C-A836-9AB25F3FC0B6}"/>
               </a:ext>
             </a:extLst>
           </p:cNvPr>
@@ -3532,7 +3532,7 @@
               <a:rPr lang="pt-BR" sz="2800" dirty="0">
                 <a:latin typeface="Bariol Bold" panose="02000506040000020003"/>
               </a:rPr>
-              <a:t> Possibilidade de relocação de funcionários;</a:t>
+              <a:t> Possibilidade de realocação de funcionários;</a:t>
             </a:r>
           </a:p>
           <a:p>
@@ -3550,20 +3550,11 @@
               <a:buChar char="ü"/>
             </a:pPr>
             <a:r>
-              <a:rPr lang="pt-BR" sz="2800" dirty="0" smtClean="0">
+              <a:rPr lang="pt-BR" sz="2800" dirty="0">
                 <a:latin typeface="Bariol Bold" panose="02000506040000020003"/>
               </a:rPr>
-              <a:t>Prevenção de erros</a:t>
+              <a:t>Prevenção de erros;</a:t>
             </a:r>
-            <a:r>
-              <a:rPr lang="pt-BR" sz="2800" dirty="0" smtClean="0">
-                <a:latin typeface="Bariol Bold" panose="02000506040000020003"/>
-              </a:rPr>
-              <a:t>;</a:t>
-            </a:r>
-            <a:endParaRPr lang="pt-BR" sz="2800" dirty="0">
-              <a:latin typeface="Bariol Bold" panose="02000506040000020003"/>
-            </a:endParaRPr>
           </a:p>
         </p:txBody>
       </p:sp>
@@ -3853,7 +3844,7 @@
           <p:cNvPr id="7" name="Título 1">
             <a:extLst>
               <a:ext uri="{FF2B5EF4-FFF2-40B4-BE49-F238E27FC236}">
-                <a16:creationId xmlns:a16="http://schemas.microsoft.com/office/drawing/2014/main" xmlns="" id="{99F76FBE-1BC2-4EE6-B90A-22263BF7BDCD}"/>
+                <a16:creationId xmlns:a16="http://schemas.microsoft.com/office/drawing/2014/main" id="{99F76FBE-1BC2-4EE6-B90A-22263BF7BDCD}"/>
               </a:ext>
             </a:extLst>
           </p:cNvPr>
@@ -3916,7 +3907,7 @@
           <p:cNvPr id="28" name="Imagem 27" descr="Tela de celular com publicação numa rede social&#10;&#10;Descrição gerada automaticamente">
             <a:extLst>
               <a:ext uri="{FF2B5EF4-FFF2-40B4-BE49-F238E27FC236}">
-                <a16:creationId xmlns:a16="http://schemas.microsoft.com/office/drawing/2014/main" xmlns="" id="{61268346-1331-44EB-B0B9-4977721EB956}"/>
+                <a16:creationId xmlns:a16="http://schemas.microsoft.com/office/drawing/2014/main" id="{61268346-1331-44EB-B0B9-4977721EB956}"/>
               </a:ext>
             </a:extLst>
           </p:cNvPr>
@@ -3952,7 +3943,7 @@
           <p:cNvPr id="29" name="Picture 2">
             <a:extLst>
               <a:ext uri="{FF2B5EF4-FFF2-40B4-BE49-F238E27FC236}">
-                <a16:creationId xmlns:a16="http://schemas.microsoft.com/office/drawing/2014/main" xmlns="" id="{6B73972F-21DB-4306-BAF9-0BAEC8E2AFB8}"/>
+                <a16:creationId xmlns:a16="http://schemas.microsoft.com/office/drawing/2014/main" id="{6B73972F-21DB-4306-BAF9-0BAEC8E2AFB8}"/>
               </a:ext>
             </a:extLst>
           </p:cNvPr>
@@ -3999,7 +3990,7 @@
           <p:cNvPr id="2" name="Straight Arrow Connector 1">
             <a:extLst>
               <a:ext uri="{FF2B5EF4-FFF2-40B4-BE49-F238E27FC236}">
-                <a16:creationId xmlns:a16="http://schemas.microsoft.com/office/drawing/2014/main" xmlns="" id="{6C7559BD-1A65-48D2-BF89-AB2B2E59EA93}"/>
+                <a16:creationId xmlns:a16="http://schemas.microsoft.com/office/drawing/2014/main" id="{6C7559BD-1A65-48D2-BF89-AB2B2E59EA93}"/>
               </a:ext>
             </a:extLst>
           </p:cNvPr>
@@ -4040,7 +4031,7 @@
           <p:cNvPr id="3" name="Retângulo 2">
             <a:extLst>
               <a:ext uri="{FF2B5EF4-FFF2-40B4-BE49-F238E27FC236}">
-                <a16:creationId xmlns:a16="http://schemas.microsoft.com/office/drawing/2014/main" xmlns="" id="{6C4552BF-73DB-4DF0-A4A4-BCBB9C28F9A8}"/>
+                <a16:creationId xmlns:a16="http://schemas.microsoft.com/office/drawing/2014/main" id="{6C4552BF-73DB-4DF0-A4A4-BCBB9C28F9A8}"/>
               </a:ext>
             </a:extLst>
           </p:cNvPr>
@@ -4328,7 +4319,7 @@
           <p:cNvPr id="2" name="Straight Arrow Connector 1">
             <a:extLst>
               <a:ext uri="{FF2B5EF4-FFF2-40B4-BE49-F238E27FC236}">
-                <a16:creationId xmlns:a16="http://schemas.microsoft.com/office/drawing/2014/main" xmlns="" id="{6ACC84AA-450E-406B-A9C6-80C5F46E719A}"/>
+                <a16:creationId xmlns:a16="http://schemas.microsoft.com/office/drawing/2014/main" id="{6ACC84AA-450E-406B-A9C6-80C5F46E719A}"/>
               </a:ext>
             </a:extLst>
           </p:cNvPr>
@@ -4369,7 +4360,7 @@
           <p:cNvPr id="7" name="Título 1">
             <a:extLst>
               <a:ext uri="{FF2B5EF4-FFF2-40B4-BE49-F238E27FC236}">
-                <a16:creationId xmlns:a16="http://schemas.microsoft.com/office/drawing/2014/main" xmlns="" id="{99F76FBE-1BC2-4EE6-B90A-22263BF7BDCD}"/>
+                <a16:creationId xmlns:a16="http://schemas.microsoft.com/office/drawing/2014/main" id="{99F76FBE-1BC2-4EE6-B90A-22263BF7BDCD}"/>
               </a:ext>
             </a:extLst>
           </p:cNvPr>
@@ -4456,7 +4447,7 @@
           <p:cNvPr id="3" name="Imagem 2" descr="Tela de celular com publicação numa rede social&#10;&#10;Descrição gerada automaticamente">
             <a:extLst>
               <a:ext uri="{FF2B5EF4-FFF2-40B4-BE49-F238E27FC236}">
-                <a16:creationId xmlns:a16="http://schemas.microsoft.com/office/drawing/2014/main" xmlns="" id="{0B865BA3-DC4F-4AC1-A70C-EB7E6005A294}"/>
+                <a16:creationId xmlns:a16="http://schemas.microsoft.com/office/drawing/2014/main" id="{0B865BA3-DC4F-4AC1-A70C-EB7E6005A294}"/>
               </a:ext>
             </a:extLst>
           </p:cNvPr>
@@ -4492,7 +4483,7 @@
           <p:cNvPr id="5" name="Picture 2">
             <a:extLst>
               <a:ext uri="{FF2B5EF4-FFF2-40B4-BE49-F238E27FC236}">
-                <a16:creationId xmlns:a16="http://schemas.microsoft.com/office/drawing/2014/main" xmlns="" id="{34427FB4-15EE-40BB-A37F-5A67DAC3AD61}"/>
+                <a16:creationId xmlns:a16="http://schemas.microsoft.com/office/drawing/2014/main" id="{34427FB4-15EE-40BB-A37F-5A67DAC3AD61}"/>
               </a:ext>
             </a:extLst>
           </p:cNvPr>
@@ -4775,7 +4766,7 @@
           <p:cNvPr id="7" name="Título 1">
             <a:extLst>
               <a:ext uri="{FF2B5EF4-FFF2-40B4-BE49-F238E27FC236}">
-                <a16:creationId xmlns:a16="http://schemas.microsoft.com/office/drawing/2014/main" xmlns="" id="{99F76FBE-1BC2-4EE6-B90A-22263BF7BDCD}"/>
+                <a16:creationId xmlns:a16="http://schemas.microsoft.com/office/drawing/2014/main" id="{99F76FBE-1BC2-4EE6-B90A-22263BF7BDCD}"/>
               </a:ext>
             </a:extLst>
           </p:cNvPr>
@@ -4847,7 +4838,7 @@
           <p:cNvPr id="3" name="Imagem 2" descr="Tela de celular com publicação numa rede social&#10;&#10;Descrição gerada automaticamente">
             <a:extLst>
               <a:ext uri="{FF2B5EF4-FFF2-40B4-BE49-F238E27FC236}">
-                <a16:creationId xmlns:a16="http://schemas.microsoft.com/office/drawing/2014/main" xmlns="" id="{F8DE0345-A9A1-4C31-8B11-E73D5EE14912}"/>
+                <a16:creationId xmlns:a16="http://schemas.microsoft.com/office/drawing/2014/main" id="{F8DE0345-A9A1-4C31-8B11-E73D5EE14912}"/>
               </a:ext>
             </a:extLst>
           </p:cNvPr>
@@ -4883,7 +4874,7 @@
           <p:cNvPr id="6" name="Picture 2">
             <a:extLst>
               <a:ext uri="{FF2B5EF4-FFF2-40B4-BE49-F238E27FC236}">
-                <a16:creationId xmlns:a16="http://schemas.microsoft.com/office/drawing/2014/main" xmlns="" id="{7D8A13F6-EB0A-4076-8606-412A4E22E8D0}"/>
+                <a16:creationId xmlns:a16="http://schemas.microsoft.com/office/drawing/2014/main" id="{7D8A13F6-EB0A-4076-8606-412A4E22E8D0}"/>
               </a:ext>
             </a:extLst>
           </p:cNvPr>
@@ -4930,7 +4921,7 @@
           <p:cNvPr id="2" name="Straight Arrow Connector 1">
             <a:extLst>
               <a:ext uri="{FF2B5EF4-FFF2-40B4-BE49-F238E27FC236}">
-                <a16:creationId xmlns:a16="http://schemas.microsoft.com/office/drawing/2014/main" xmlns="" id="{F2F70B19-B201-483C-B039-755093547CE4}"/>
+                <a16:creationId xmlns:a16="http://schemas.microsoft.com/office/drawing/2014/main" id="{F2F70B19-B201-483C-B039-755093547CE4}"/>
               </a:ext>
             </a:extLst>
           </p:cNvPr>
@@ -5207,7 +5198,7 @@
           <p:cNvPr id="7" name="Título 1">
             <a:extLst>
               <a:ext uri="{FF2B5EF4-FFF2-40B4-BE49-F238E27FC236}">
-                <a16:creationId xmlns:a16="http://schemas.microsoft.com/office/drawing/2014/main" xmlns="" id="{99F76FBE-1BC2-4EE6-B90A-22263BF7BDCD}"/>
+                <a16:creationId xmlns:a16="http://schemas.microsoft.com/office/drawing/2014/main" id="{99F76FBE-1BC2-4EE6-B90A-22263BF7BDCD}"/>
               </a:ext>
             </a:extLst>
           </p:cNvPr>
@@ -5270,7 +5261,7 @@
           <p:cNvPr id="5" name="Picture 2">
             <a:extLst>
               <a:ext uri="{FF2B5EF4-FFF2-40B4-BE49-F238E27FC236}">
-                <a16:creationId xmlns:a16="http://schemas.microsoft.com/office/drawing/2014/main" xmlns="" id="{5E6A065D-74B6-43C9-8951-4759FD99C85F}"/>
+                <a16:creationId xmlns:a16="http://schemas.microsoft.com/office/drawing/2014/main" id="{5E6A065D-74B6-43C9-8951-4759FD99C85F}"/>
               </a:ext>
             </a:extLst>
           </p:cNvPr>
@@ -5317,7 +5308,7 @@
           <p:cNvPr id="2" name="Straight Arrow Connector 1">
             <a:extLst>
               <a:ext uri="{FF2B5EF4-FFF2-40B4-BE49-F238E27FC236}">
-                <a16:creationId xmlns:a16="http://schemas.microsoft.com/office/drawing/2014/main" xmlns="" id="{102C7A15-5BE4-4E8E-826E-06C7E84CB27C}"/>
+                <a16:creationId xmlns:a16="http://schemas.microsoft.com/office/drawing/2014/main" id="{102C7A15-5BE4-4E8E-826E-06C7E84CB27C}"/>
               </a:ext>
             </a:extLst>
           </p:cNvPr>
@@ -5358,7 +5349,7 @@
           <p:cNvPr id="4" name="Imagem 3">
             <a:extLst>
               <a:ext uri="{FF2B5EF4-FFF2-40B4-BE49-F238E27FC236}">
-                <a16:creationId xmlns:a16="http://schemas.microsoft.com/office/drawing/2014/main" xmlns="" id="{B0F33F9C-FC80-4ABE-9528-33AD86025CEC}"/>
+                <a16:creationId xmlns:a16="http://schemas.microsoft.com/office/drawing/2014/main" id="{B0F33F9C-FC80-4ABE-9528-33AD86025CEC}"/>
               </a:ext>
             </a:extLst>
           </p:cNvPr>
@@ -5589,7 +5580,7 @@
           <p:cNvPr id="4" name="Straight Arrow Connector 3">
             <a:extLst>
               <a:ext uri="{FF2B5EF4-FFF2-40B4-BE49-F238E27FC236}">
-                <a16:creationId xmlns:a16="http://schemas.microsoft.com/office/drawing/2014/main" xmlns="" id="{2E47AAF4-0703-407A-9375-DE4A2497442E}"/>
+                <a16:creationId xmlns:a16="http://schemas.microsoft.com/office/drawing/2014/main" id="{2E47AAF4-0703-407A-9375-DE4A2497442E}"/>
               </a:ext>
             </a:extLst>
           </p:cNvPr>
@@ -5630,7 +5621,7 @@
           <p:cNvPr id="7" name="Título 1">
             <a:extLst>
               <a:ext uri="{FF2B5EF4-FFF2-40B4-BE49-F238E27FC236}">
-                <a16:creationId xmlns:a16="http://schemas.microsoft.com/office/drawing/2014/main" xmlns="" id="{99F76FBE-1BC2-4EE6-B90A-22263BF7BDCD}"/>
+                <a16:creationId xmlns:a16="http://schemas.microsoft.com/office/drawing/2014/main" id="{99F76FBE-1BC2-4EE6-B90A-22263BF7BDCD}"/>
               </a:ext>
             </a:extLst>
           </p:cNvPr>
@@ -5693,7 +5684,7 @@
           <p:cNvPr id="3" name="Picture 2">
             <a:extLst>
               <a:ext uri="{FF2B5EF4-FFF2-40B4-BE49-F238E27FC236}">
-                <a16:creationId xmlns:a16="http://schemas.microsoft.com/office/drawing/2014/main" xmlns="" id="{5C89B846-E8B4-41E5-A2FD-3C9F96F43158}"/>
+                <a16:creationId xmlns:a16="http://schemas.microsoft.com/office/drawing/2014/main" id="{5C89B846-E8B4-41E5-A2FD-3C9F96F43158}"/>
               </a:ext>
             </a:extLst>
           </p:cNvPr>
@@ -5740,7 +5731,7 @@
           <p:cNvPr id="2" name="Imagem 1" descr="Tela de celular com publicação numa rede social&#10;&#10;Descrição gerada automaticamente">
             <a:extLst>
               <a:ext uri="{FF2B5EF4-FFF2-40B4-BE49-F238E27FC236}">
-                <a16:creationId xmlns:a16="http://schemas.microsoft.com/office/drawing/2014/main" xmlns="" id="{45AEF87A-8133-4120-90C5-4095025AFFB4}"/>
+                <a16:creationId xmlns:a16="http://schemas.microsoft.com/office/drawing/2014/main" id="{45AEF87A-8133-4120-90C5-4095025AFFB4}"/>
               </a:ext>
             </a:extLst>
           </p:cNvPr>
@@ -5776,7 +5767,7 @@
           <p:cNvPr id="5" name="Imagem 4" descr="Desenho de uma pessoa&#10;&#10;Descrição gerada automaticamente">
             <a:extLst>
               <a:ext uri="{FF2B5EF4-FFF2-40B4-BE49-F238E27FC236}">
-                <a16:creationId xmlns:a16="http://schemas.microsoft.com/office/drawing/2014/main" xmlns="" id="{65B6D792-5394-44C7-88F8-DC482A934804}"/>
+                <a16:creationId xmlns:a16="http://schemas.microsoft.com/office/drawing/2014/main" id="{65B6D792-5394-44C7-88F8-DC482A934804}"/>
               </a:ext>
             </a:extLst>
           </p:cNvPr>
@@ -6083,7 +6074,7 @@
           <p:cNvPr id="7" name="Título 1">
             <a:extLst>
               <a:ext uri="{FF2B5EF4-FFF2-40B4-BE49-F238E27FC236}">
-                <a16:creationId xmlns:a16="http://schemas.microsoft.com/office/drawing/2014/main" xmlns="" id="{99F76FBE-1BC2-4EE6-B90A-22263BF7BDCD}"/>
+                <a16:creationId xmlns:a16="http://schemas.microsoft.com/office/drawing/2014/main" id="{99F76FBE-1BC2-4EE6-B90A-22263BF7BDCD}"/>
               </a:ext>
             </a:extLst>
           </p:cNvPr>
@@ -6146,7 +6137,7 @@
           <p:cNvPr id="9" name="Imagem 8" descr="Tela de computador com imagem de personagem de desenho animado&#10;&#10;Descrição gerada automaticamente">
             <a:extLst>
               <a:ext uri="{FF2B5EF4-FFF2-40B4-BE49-F238E27FC236}">
-                <a16:creationId xmlns:a16="http://schemas.microsoft.com/office/drawing/2014/main" xmlns="" id="{888F5C91-3289-44B1-BA71-0D0DD25423FD}"/>
+                <a16:creationId xmlns:a16="http://schemas.microsoft.com/office/drawing/2014/main" id="{888F5C91-3289-44B1-BA71-0D0DD25423FD}"/>
               </a:ext>
             </a:extLst>
           </p:cNvPr>
@@ -6182,7 +6173,7 @@
           <p:cNvPr id="4" name="Picture 2">
             <a:extLst>
               <a:ext uri="{FF2B5EF4-FFF2-40B4-BE49-F238E27FC236}">
-                <a16:creationId xmlns:a16="http://schemas.microsoft.com/office/drawing/2014/main" xmlns="" id="{3CF36ED0-FCD8-45D8-A912-5D4DD5032DBE}"/>
+                <a16:creationId xmlns:a16="http://schemas.microsoft.com/office/drawing/2014/main" id="{3CF36ED0-FCD8-45D8-A912-5D4DD5032DBE}"/>
               </a:ext>
             </a:extLst>
           </p:cNvPr>
@@ -6229,7 +6220,7 @@
           <p:cNvPr id="2" name="Straight Arrow Connector 1">
             <a:extLst>
               <a:ext uri="{FF2B5EF4-FFF2-40B4-BE49-F238E27FC236}">
-                <a16:creationId xmlns:a16="http://schemas.microsoft.com/office/drawing/2014/main" xmlns="" id="{EF6676ED-9702-4820-B9D8-8B178C2BC9D8}"/>
+                <a16:creationId xmlns:a16="http://schemas.microsoft.com/office/drawing/2014/main" id="{EF6676ED-9702-4820-B9D8-8B178C2BC9D8}"/>
               </a:ext>
             </a:extLst>
           </p:cNvPr>
@@ -6506,7 +6497,7 @@
           <p:cNvPr id="7" name="Título 1">
             <a:extLst>
               <a:ext uri="{FF2B5EF4-FFF2-40B4-BE49-F238E27FC236}">
-                <a16:creationId xmlns:a16="http://schemas.microsoft.com/office/drawing/2014/main" xmlns="" id="{99F76FBE-1BC2-4EE6-B90A-22263BF7BDCD}"/>
+                <a16:creationId xmlns:a16="http://schemas.microsoft.com/office/drawing/2014/main" id="{99F76FBE-1BC2-4EE6-B90A-22263BF7BDCD}"/>
               </a:ext>
             </a:extLst>
           </p:cNvPr>
@@ -6569,7 +6560,7 @@
           <p:cNvPr id="3" name="Picture 2">
             <a:extLst>
               <a:ext uri="{FF2B5EF4-FFF2-40B4-BE49-F238E27FC236}">
-                <a16:creationId xmlns:a16="http://schemas.microsoft.com/office/drawing/2014/main" xmlns="" id="{A9070500-5C9F-415F-8DFF-FBCAA846F638}"/>
+                <a16:creationId xmlns:a16="http://schemas.microsoft.com/office/drawing/2014/main" id="{A9070500-5C9F-415F-8DFF-FBCAA846F638}"/>
               </a:ext>
             </a:extLst>
           </p:cNvPr>
@@ -6616,7 +6607,7 @@
           <p:cNvPr id="4" name="Imagem 3">
             <a:extLst>
               <a:ext uri="{FF2B5EF4-FFF2-40B4-BE49-F238E27FC236}">
-                <a16:creationId xmlns:a16="http://schemas.microsoft.com/office/drawing/2014/main" xmlns="" id="{D9D4E4D2-9815-41A2-BEC8-0245B61DEEC4}"/>
+                <a16:creationId xmlns:a16="http://schemas.microsoft.com/office/drawing/2014/main" id="{D9D4E4D2-9815-41A2-BEC8-0245B61DEEC4}"/>
               </a:ext>
             </a:extLst>
           </p:cNvPr>
@@ -6652,7 +6643,7 @@
           <p:cNvPr id="2" name="Straight Arrow Connector 1">
             <a:extLst>
               <a:ext uri="{FF2B5EF4-FFF2-40B4-BE49-F238E27FC236}">
-                <a16:creationId xmlns:a16="http://schemas.microsoft.com/office/drawing/2014/main" xmlns="" id="{4E523067-FB64-412F-AE09-1E914EEC9A82}"/>
+                <a16:creationId xmlns:a16="http://schemas.microsoft.com/office/drawing/2014/main" id="{4E523067-FB64-412F-AE09-1E914EEC9A82}"/>
               </a:ext>
             </a:extLst>
           </p:cNvPr>
@@ -6929,7 +6920,7 @@
           <p:cNvPr id="7" name="Título 1">
             <a:extLst>
               <a:ext uri="{FF2B5EF4-FFF2-40B4-BE49-F238E27FC236}">
-                <a16:creationId xmlns:a16="http://schemas.microsoft.com/office/drawing/2014/main" xmlns="" id="{99F76FBE-1BC2-4EE6-B90A-22263BF7BDCD}"/>
+                <a16:creationId xmlns:a16="http://schemas.microsoft.com/office/drawing/2014/main" id="{99F76FBE-1BC2-4EE6-B90A-22263BF7BDCD}"/>
               </a:ext>
             </a:extLst>
           </p:cNvPr>
@@ -6992,7 +6983,7 @@
           <p:cNvPr id="3" name="Imagem 2" descr="Desenho de uma pessoa&#10;&#10;Descrição gerada automaticamente">
             <a:extLst>
               <a:ext uri="{FF2B5EF4-FFF2-40B4-BE49-F238E27FC236}">
-                <a16:creationId xmlns:a16="http://schemas.microsoft.com/office/drawing/2014/main" xmlns="" id="{ED02D286-F5A0-4509-8E48-BFA54F34D076}"/>
+                <a16:creationId xmlns:a16="http://schemas.microsoft.com/office/drawing/2014/main" id="{ED02D286-F5A0-4509-8E48-BFA54F34D076}"/>
               </a:ext>
             </a:extLst>
           </p:cNvPr>
@@ -7028,7 +7019,7 @@
           <p:cNvPr id="4" name="Picture 2">
             <a:extLst>
               <a:ext uri="{FF2B5EF4-FFF2-40B4-BE49-F238E27FC236}">
-                <a16:creationId xmlns:a16="http://schemas.microsoft.com/office/drawing/2014/main" xmlns="" id="{CDDD861E-3766-442F-8F52-68E1AE2C3753}"/>
+                <a16:creationId xmlns:a16="http://schemas.microsoft.com/office/drawing/2014/main" id="{CDDD861E-3766-442F-8F52-68E1AE2C3753}"/>
               </a:ext>
             </a:extLst>
           </p:cNvPr>
@@ -7075,7 +7066,7 @@
           <p:cNvPr id="2" name="Straight Arrow Connector 1">
             <a:extLst>
               <a:ext uri="{FF2B5EF4-FFF2-40B4-BE49-F238E27FC236}">
-                <a16:creationId xmlns:a16="http://schemas.microsoft.com/office/drawing/2014/main" xmlns="" id="{825D95E1-8250-4172-ABA3-976541C2807C}"/>
+                <a16:creationId xmlns:a16="http://schemas.microsoft.com/office/drawing/2014/main" id="{825D95E1-8250-4172-ABA3-976541C2807C}"/>
               </a:ext>
             </a:extLst>
           </p:cNvPr>
@@ -7352,7 +7343,7 @@
           <p:cNvPr id="7" name="Título 1">
             <a:extLst>
               <a:ext uri="{FF2B5EF4-FFF2-40B4-BE49-F238E27FC236}">
-                <a16:creationId xmlns:a16="http://schemas.microsoft.com/office/drawing/2014/main" xmlns="" id="{99F76FBE-1BC2-4EE6-B90A-22263BF7BDCD}"/>
+                <a16:creationId xmlns:a16="http://schemas.microsoft.com/office/drawing/2014/main" id="{99F76FBE-1BC2-4EE6-B90A-22263BF7BDCD}"/>
               </a:ext>
             </a:extLst>
           </p:cNvPr>
@@ -7415,7 +7406,7 @@
           <p:cNvPr id="3" name="Picture 2">
             <a:extLst>
               <a:ext uri="{FF2B5EF4-FFF2-40B4-BE49-F238E27FC236}">
-                <a16:creationId xmlns:a16="http://schemas.microsoft.com/office/drawing/2014/main" xmlns="" id="{A5E95E14-1174-4815-814A-3FB16E71EF46}"/>
+                <a16:creationId xmlns:a16="http://schemas.microsoft.com/office/drawing/2014/main" id="{A5E95E14-1174-4815-814A-3FB16E71EF46}"/>
               </a:ext>
             </a:extLst>
           </p:cNvPr>
@@ -7628,7 +7619,7 @@
           <p:cNvPr id="3" name="Straight Arrow Connector 2">
             <a:extLst>
               <a:ext uri="{FF2B5EF4-FFF2-40B4-BE49-F238E27FC236}">
-                <a16:creationId xmlns:a16="http://schemas.microsoft.com/office/drawing/2014/main" xmlns="" id="{238B6891-9D9A-4548-BDE4-47054128BA41}"/>
+                <a16:creationId xmlns:a16="http://schemas.microsoft.com/office/drawing/2014/main" id="{238B6891-9D9A-4548-BDE4-47054128BA41}"/>
               </a:ext>
             </a:extLst>
           </p:cNvPr>
@@ -7669,7 +7660,7 @@
           <p:cNvPr id="7" name="Título 1">
             <a:extLst>
               <a:ext uri="{FF2B5EF4-FFF2-40B4-BE49-F238E27FC236}">
-                <a16:creationId xmlns:a16="http://schemas.microsoft.com/office/drawing/2014/main" xmlns="" id="{99F76FBE-1BC2-4EE6-B90A-22263BF7BDCD}"/>
+                <a16:creationId xmlns:a16="http://schemas.microsoft.com/office/drawing/2014/main" id="{99F76FBE-1BC2-4EE6-B90A-22263BF7BDCD}"/>
               </a:ext>
             </a:extLst>
           </p:cNvPr>
@@ -7732,7 +7723,7 @@
           <p:cNvPr id="10" name="Título 1">
             <a:extLst>
               <a:ext uri="{FF2B5EF4-FFF2-40B4-BE49-F238E27FC236}">
-                <a16:creationId xmlns:a16="http://schemas.microsoft.com/office/drawing/2014/main" xmlns="" id="{678E41F7-516A-49E2-B205-0A126C574C2E}"/>
+                <a16:creationId xmlns:a16="http://schemas.microsoft.com/office/drawing/2014/main" id="{678E41F7-516A-49E2-B205-0A126C574C2E}"/>
               </a:ext>
             </a:extLst>
           </p:cNvPr>
@@ -7810,7 +7801,7 @@
           <p:cNvPr id="11" name="Título 1">
             <a:extLst>
               <a:ext uri="{FF2B5EF4-FFF2-40B4-BE49-F238E27FC236}">
-                <a16:creationId xmlns:a16="http://schemas.microsoft.com/office/drawing/2014/main" xmlns="" id="{0CD946CA-FF61-4363-B296-4AF3D7FBC896}"/>
+                <a16:creationId xmlns:a16="http://schemas.microsoft.com/office/drawing/2014/main" id="{0CD946CA-FF61-4363-B296-4AF3D7FBC896}"/>
               </a:ext>
             </a:extLst>
           </p:cNvPr>
@@ -7888,7 +7879,7 @@
           <p:cNvPr id="12" name="Título 1">
             <a:extLst>
               <a:ext uri="{FF2B5EF4-FFF2-40B4-BE49-F238E27FC236}">
-                <a16:creationId xmlns:a16="http://schemas.microsoft.com/office/drawing/2014/main" xmlns="" id="{AB9726E8-CEB5-4829-BE8F-0EAF85278B5A}"/>
+                <a16:creationId xmlns:a16="http://schemas.microsoft.com/office/drawing/2014/main" id="{AB9726E8-CEB5-4829-BE8F-0EAF85278B5A}"/>
               </a:ext>
             </a:extLst>
           </p:cNvPr>
@@ -7966,7 +7957,7 @@
           <p:cNvPr id="15" name="Título 1">
             <a:extLst>
               <a:ext uri="{FF2B5EF4-FFF2-40B4-BE49-F238E27FC236}">
-                <a16:creationId xmlns:a16="http://schemas.microsoft.com/office/drawing/2014/main" xmlns="" id="{2EEDD670-B386-40A2-A879-9CF8F33DA40F}"/>
+                <a16:creationId xmlns:a16="http://schemas.microsoft.com/office/drawing/2014/main" id="{2EEDD670-B386-40A2-A879-9CF8F33DA40F}"/>
               </a:ext>
             </a:extLst>
           </p:cNvPr>
@@ -8044,7 +8035,7 @@
           <p:cNvPr id="16" name="Título 1">
             <a:extLst>
               <a:ext uri="{FF2B5EF4-FFF2-40B4-BE49-F238E27FC236}">
-                <a16:creationId xmlns:a16="http://schemas.microsoft.com/office/drawing/2014/main" xmlns="" id="{229589FA-FF5C-47DD-A54E-805F02B40D56}"/>
+                <a16:creationId xmlns:a16="http://schemas.microsoft.com/office/drawing/2014/main" id="{229589FA-FF5C-47DD-A54E-805F02B40D56}"/>
               </a:ext>
             </a:extLst>
           </p:cNvPr>
@@ -8122,7 +8113,7 @@
           <p:cNvPr id="17" name="Título 1">
             <a:extLst>
               <a:ext uri="{FF2B5EF4-FFF2-40B4-BE49-F238E27FC236}">
-                <a16:creationId xmlns:a16="http://schemas.microsoft.com/office/drawing/2014/main" xmlns="" id="{9A6A319D-B6D1-48C9-B967-DAB049B71962}"/>
+                <a16:creationId xmlns:a16="http://schemas.microsoft.com/office/drawing/2014/main" id="{9A6A319D-B6D1-48C9-B967-DAB049B71962}"/>
               </a:ext>
             </a:extLst>
           </p:cNvPr>
@@ -8200,7 +8191,7 @@
           <p:cNvPr id="18" name="Imagem 17">
             <a:extLst>
               <a:ext uri="{FF2B5EF4-FFF2-40B4-BE49-F238E27FC236}">
-                <a16:creationId xmlns:a16="http://schemas.microsoft.com/office/drawing/2014/main" xmlns="" id="{A69155FD-5341-487B-81D7-5E2880E09683}"/>
+                <a16:creationId xmlns:a16="http://schemas.microsoft.com/office/drawing/2014/main" id="{A69155FD-5341-487B-81D7-5E2880E09683}"/>
               </a:ext>
             </a:extLst>
           </p:cNvPr>
@@ -8236,7 +8227,7 @@
           <p:cNvPr id="5" name="Imagem 4" descr="Uma imagem contendo pessoa, no interior, homem, olhando&#10;&#10;Descrição gerada automaticamente">
             <a:extLst>
               <a:ext uri="{FF2B5EF4-FFF2-40B4-BE49-F238E27FC236}">
-                <a16:creationId xmlns:a16="http://schemas.microsoft.com/office/drawing/2014/main" xmlns="" id="{6C745D24-199A-4881-AE89-46E21608BE16}"/>
+                <a16:creationId xmlns:a16="http://schemas.microsoft.com/office/drawing/2014/main" id="{6C745D24-199A-4881-AE89-46E21608BE16}"/>
               </a:ext>
             </a:extLst>
           </p:cNvPr>
@@ -8272,7 +8263,7 @@
           <p:cNvPr id="8" name="Imagem 7" descr="Mulher de óculos posando para foto&#10;&#10;Descrição gerada automaticamente">
             <a:extLst>
               <a:ext uri="{FF2B5EF4-FFF2-40B4-BE49-F238E27FC236}">
-                <a16:creationId xmlns:a16="http://schemas.microsoft.com/office/drawing/2014/main" xmlns="" id="{FC4E1664-FD72-473B-9AA6-576FEBE87B95}"/>
+                <a16:creationId xmlns:a16="http://schemas.microsoft.com/office/drawing/2014/main" id="{FC4E1664-FD72-473B-9AA6-576FEBE87B95}"/>
               </a:ext>
             </a:extLst>
           </p:cNvPr>
@@ -8308,7 +8299,7 @@
           <p:cNvPr id="13" name="Imagem 12" descr="Menino sorrindo posando para foto&#10;&#10;Descrição gerada automaticamente">
             <a:extLst>
               <a:ext uri="{FF2B5EF4-FFF2-40B4-BE49-F238E27FC236}">
-                <a16:creationId xmlns:a16="http://schemas.microsoft.com/office/drawing/2014/main" xmlns="" id="{9CE75B2B-4F48-4749-8C51-76B8AF200AB6}"/>
+                <a16:creationId xmlns:a16="http://schemas.microsoft.com/office/drawing/2014/main" id="{9CE75B2B-4F48-4749-8C51-76B8AF200AB6}"/>
               </a:ext>
             </a:extLst>
           </p:cNvPr>
@@ -8344,7 +8335,7 @@
           <p:cNvPr id="19" name="Imagem 18" descr="Uma imagem contendo pessoa, vestuário, mulher, chapéu&#10;&#10;Descrição gerada automaticamente">
             <a:extLst>
               <a:ext uri="{FF2B5EF4-FFF2-40B4-BE49-F238E27FC236}">
-                <a16:creationId xmlns:a16="http://schemas.microsoft.com/office/drawing/2014/main" xmlns="" id="{EAADD116-6D5D-4F23-9BA1-67E971C3F6FD}"/>
+                <a16:creationId xmlns:a16="http://schemas.microsoft.com/office/drawing/2014/main" id="{EAADD116-6D5D-4F23-9BA1-67E971C3F6FD}"/>
               </a:ext>
             </a:extLst>
           </p:cNvPr>
@@ -8380,7 +8371,7 @@
           <p:cNvPr id="21" name="Imagem 20" descr="Menino de camisa preta&#10;&#10;Descrição gerada automaticamente">
             <a:extLst>
               <a:ext uri="{FF2B5EF4-FFF2-40B4-BE49-F238E27FC236}">
-                <a16:creationId xmlns:a16="http://schemas.microsoft.com/office/drawing/2014/main" xmlns="" id="{22A12B27-089B-438B-97E5-38C10B35395A}"/>
+                <a16:creationId xmlns:a16="http://schemas.microsoft.com/office/drawing/2014/main" id="{22A12B27-089B-438B-97E5-38C10B35395A}"/>
               </a:ext>
             </a:extLst>
           </p:cNvPr>
@@ -8416,7 +8407,7 @@
           <p:cNvPr id="20" name="Picture 2">
             <a:extLst>
               <a:ext uri="{FF2B5EF4-FFF2-40B4-BE49-F238E27FC236}">
-                <a16:creationId xmlns:a16="http://schemas.microsoft.com/office/drawing/2014/main" xmlns="" id="{5823B29F-7B62-4389-9250-63EBA3ABE63F}"/>
+                <a16:creationId xmlns:a16="http://schemas.microsoft.com/office/drawing/2014/main" id="{5823B29F-7B62-4389-9250-63EBA3ABE63F}"/>
               </a:ext>
             </a:extLst>
           </p:cNvPr>
@@ -9099,7 +9090,7 @@
           <p:cNvPr id="7" name="Título 1">
             <a:extLst>
               <a:ext uri="{FF2B5EF4-FFF2-40B4-BE49-F238E27FC236}">
-                <a16:creationId xmlns:a16="http://schemas.microsoft.com/office/drawing/2014/main" xmlns="" id="{99F76FBE-1BC2-4EE6-B90A-22263BF7BDCD}"/>
+                <a16:creationId xmlns:a16="http://schemas.microsoft.com/office/drawing/2014/main" id="{99F76FBE-1BC2-4EE6-B90A-22263BF7BDCD}"/>
               </a:ext>
             </a:extLst>
           </p:cNvPr>
@@ -9162,7 +9153,7 @@
           <p:cNvPr id="3" name="Picture 2">
             <a:extLst>
               <a:ext uri="{FF2B5EF4-FFF2-40B4-BE49-F238E27FC236}">
-                <a16:creationId xmlns:a16="http://schemas.microsoft.com/office/drawing/2014/main" xmlns="" id="{A5E95E14-1174-4815-814A-3FB16E71EF46}"/>
+                <a16:creationId xmlns:a16="http://schemas.microsoft.com/office/drawing/2014/main" id="{A5E95E14-1174-4815-814A-3FB16E71EF46}"/>
               </a:ext>
             </a:extLst>
           </p:cNvPr>
@@ -9209,7 +9200,7 @@
           <p:cNvPr id="4" name="Imagem 3" descr="Uma imagem contendo homem, atletismo, mulher, segurando&#10;&#10;Descrição gerada automaticamente">
             <a:extLst>
               <a:ext uri="{FF2B5EF4-FFF2-40B4-BE49-F238E27FC236}">
-                <a16:creationId xmlns:a16="http://schemas.microsoft.com/office/drawing/2014/main" xmlns="" id="{8C7F91F0-DCD8-4436-A809-E9763D748E22}"/>
+                <a16:creationId xmlns:a16="http://schemas.microsoft.com/office/drawing/2014/main" id="{8C7F91F0-DCD8-4436-A809-E9763D748E22}"/>
               </a:ext>
             </a:extLst>
           </p:cNvPr>
@@ -9245,7 +9236,7 @@
           <p:cNvPr id="6" name="Straight Arrow Connector 1">
             <a:extLst>
               <a:ext uri="{FF2B5EF4-FFF2-40B4-BE49-F238E27FC236}">
-                <a16:creationId xmlns:a16="http://schemas.microsoft.com/office/drawing/2014/main" xmlns="" id="{EF317FC1-ACAE-4693-9AF7-C538ED9B538A}"/>
+                <a16:creationId xmlns:a16="http://schemas.microsoft.com/office/drawing/2014/main" id="{EF317FC1-ACAE-4693-9AF7-C538ED9B538A}"/>
               </a:ext>
             </a:extLst>
           </p:cNvPr>
@@ -9487,7 +9478,7 @@
           <p:cNvPr id="2" name="Straight Arrow Connector 1">
             <a:extLst>
               <a:ext uri="{FF2B5EF4-FFF2-40B4-BE49-F238E27FC236}">
-                <a16:creationId xmlns:a16="http://schemas.microsoft.com/office/drawing/2014/main" xmlns="" id="{2A50C13F-38CB-4726-A175-5BC057C23492}"/>
+                <a16:creationId xmlns:a16="http://schemas.microsoft.com/office/drawing/2014/main" id="{2A50C13F-38CB-4726-A175-5BC057C23492}"/>
               </a:ext>
             </a:extLst>
           </p:cNvPr>
@@ -9528,7 +9519,7 @@
           <p:cNvPr id="7" name="Título 1">
             <a:extLst>
               <a:ext uri="{FF2B5EF4-FFF2-40B4-BE49-F238E27FC236}">
-                <a16:creationId xmlns:a16="http://schemas.microsoft.com/office/drawing/2014/main" xmlns="" id="{99F76FBE-1BC2-4EE6-B90A-22263BF7BDCD}"/>
+                <a16:creationId xmlns:a16="http://schemas.microsoft.com/office/drawing/2014/main" id="{99F76FBE-1BC2-4EE6-B90A-22263BF7BDCD}"/>
               </a:ext>
             </a:extLst>
           </p:cNvPr>
@@ -9591,7 +9582,7 @@
           <p:cNvPr id="4098" name="Picture 2" descr="Imagens Telemarketing | Vetores, fotos de arquivo e PSD grátis">
             <a:extLst>
               <a:ext uri="{FF2B5EF4-FFF2-40B4-BE49-F238E27FC236}">
-                <a16:creationId xmlns:a16="http://schemas.microsoft.com/office/drawing/2014/main" xmlns="" id="{3E46EC94-A677-40FE-ADA9-5B9036F756D9}"/>
+                <a16:creationId xmlns:a16="http://schemas.microsoft.com/office/drawing/2014/main" id="{3E46EC94-A677-40FE-ADA9-5B9036F756D9}"/>
               </a:ext>
             </a:extLst>
           </p:cNvPr>
@@ -9638,7 +9629,7 @@
           <p:cNvPr id="4" name="Picture 2">
             <a:extLst>
               <a:ext uri="{FF2B5EF4-FFF2-40B4-BE49-F238E27FC236}">
-                <a16:creationId xmlns:a16="http://schemas.microsoft.com/office/drawing/2014/main" xmlns="" id="{95805BE3-4A1A-4523-A540-D89AD3DB5CFB}"/>
+                <a16:creationId xmlns:a16="http://schemas.microsoft.com/office/drawing/2014/main" id="{95805BE3-4A1A-4523-A540-D89AD3DB5CFB}"/>
               </a:ext>
             </a:extLst>
           </p:cNvPr>
@@ -9685,7 +9676,7 @@
           <p:cNvPr id="6" name="Título 1">
             <a:extLst>
               <a:ext uri="{FF2B5EF4-FFF2-40B4-BE49-F238E27FC236}">
-                <a16:creationId xmlns:a16="http://schemas.microsoft.com/office/drawing/2014/main" xmlns="" id="{B6F48679-00C5-4A77-A553-A620B378115E}"/>
+                <a16:creationId xmlns:a16="http://schemas.microsoft.com/office/drawing/2014/main" id="{B6F48679-00C5-4A77-A553-A620B378115E}"/>
               </a:ext>
             </a:extLst>
           </p:cNvPr>
@@ -9732,14 +9723,11 @@
               <a:buChar char="ü"/>
             </a:pPr>
             <a:r>
-              <a:rPr lang="pt-BR" sz="2800" dirty="0" smtClean="0">
+              <a:rPr lang="pt-BR" sz="2800" dirty="0">
                 <a:latin typeface="Bariol Bold" panose="02000506040000020003"/>
               </a:rPr>
               <a:t>Telemarketing;</a:t>
             </a:r>
-            <a:endParaRPr lang="pt-BR" sz="2800" dirty="0">
-              <a:latin typeface="Bariol Bold" panose="02000506040000020003"/>
-            </a:endParaRPr>
           </a:p>
           <a:p>
             <a:pPr marL="285750" indent="-285750">
@@ -9756,22 +9744,10 @@
               <a:buChar char="ü"/>
             </a:pPr>
             <a:r>
-              <a:rPr lang="pt-BR" sz="2800" dirty="0" smtClean="0">
-                <a:latin typeface="Bariol Bold" panose="02000506040000020003"/>
-              </a:rPr>
-              <a:t>Pandemia</a:t>
-            </a:r>
-            <a:r>
-              <a:rPr lang="pt-BR" sz="2800" dirty="0" smtClean="0">
-                <a:latin typeface="Bariol Bold" panose="02000506040000020003"/>
-              </a:rPr>
-              <a:t> </a:t>
-            </a:r>
-            <a:r>
               <a:rPr lang="pt-BR" sz="2800" dirty="0">
                 <a:latin typeface="Bariol Bold" panose="02000506040000020003"/>
               </a:rPr>
-              <a:t>;</a:t>
+              <a:t>Pandemia;</a:t>
             </a:r>
           </a:p>
           <a:p>
@@ -9789,14 +9765,11 @@
               <a:buChar char="ü"/>
             </a:pPr>
             <a:r>
-              <a:rPr lang="pt-BR" sz="2800" dirty="0" smtClean="0">
+              <a:rPr lang="pt-BR" sz="2800" dirty="0">
                 <a:latin typeface="Bariol Bold" panose="02000506040000020003"/>
               </a:rPr>
               <a:t>Necessidade de uma ferramenta;</a:t>
             </a:r>
-            <a:endParaRPr lang="pt-BR" sz="2800" dirty="0">
-              <a:latin typeface="Bariol Bold" panose="02000506040000020003"/>
-            </a:endParaRPr>
           </a:p>
         </p:txBody>
       </p:sp>
@@ -10086,7 +10059,7 @@
           <p:cNvPr id="7" name="Título 1">
             <a:extLst>
               <a:ext uri="{FF2B5EF4-FFF2-40B4-BE49-F238E27FC236}">
-                <a16:creationId xmlns:a16="http://schemas.microsoft.com/office/drawing/2014/main" xmlns="" id="{99F76FBE-1BC2-4EE6-B90A-22263BF7BDCD}"/>
+                <a16:creationId xmlns:a16="http://schemas.microsoft.com/office/drawing/2014/main" id="{99F76FBE-1BC2-4EE6-B90A-22263BF7BDCD}"/>
               </a:ext>
             </a:extLst>
           </p:cNvPr>
@@ -10149,7 +10122,7 @@
           <p:cNvPr id="9" name="Imagem 8">
             <a:extLst>
               <a:ext uri="{FF2B5EF4-FFF2-40B4-BE49-F238E27FC236}">
-                <a16:creationId xmlns:a16="http://schemas.microsoft.com/office/drawing/2014/main" xmlns="" id="{CD24726A-903B-41C4-B6DF-760C4CFE61AA}"/>
+                <a16:creationId xmlns:a16="http://schemas.microsoft.com/office/drawing/2014/main" id="{CD24726A-903B-41C4-B6DF-760C4CFE61AA}"/>
               </a:ext>
             </a:extLst>
           </p:cNvPr>
@@ -10185,7 +10158,7 @@
           <p:cNvPr id="4" name="Picture 2">
             <a:extLst>
               <a:ext uri="{FF2B5EF4-FFF2-40B4-BE49-F238E27FC236}">
-                <a16:creationId xmlns:a16="http://schemas.microsoft.com/office/drawing/2014/main" xmlns="" id="{F42FB2A8-7F94-4D7A-BF31-87B8DC9FEACF}"/>
+                <a16:creationId xmlns:a16="http://schemas.microsoft.com/office/drawing/2014/main" id="{F42FB2A8-7F94-4D7A-BF31-87B8DC9FEACF}"/>
               </a:ext>
             </a:extLst>
           </p:cNvPr>
@@ -10232,7 +10205,7 @@
           <p:cNvPr id="2" name="Straight Arrow Connector 1">
             <a:extLst>
               <a:ext uri="{FF2B5EF4-FFF2-40B4-BE49-F238E27FC236}">
-                <a16:creationId xmlns:a16="http://schemas.microsoft.com/office/drawing/2014/main" xmlns="" id="{767E2C2F-9178-48A2-B56C-EB623F4CF011}"/>
+                <a16:creationId xmlns:a16="http://schemas.microsoft.com/office/drawing/2014/main" id="{767E2C2F-9178-48A2-B56C-EB623F4CF011}"/>
               </a:ext>
             </a:extLst>
           </p:cNvPr>
@@ -10273,7 +10246,7 @@
           <p:cNvPr id="8" name="Título 1">
             <a:extLst>
               <a:ext uri="{FF2B5EF4-FFF2-40B4-BE49-F238E27FC236}">
-                <a16:creationId xmlns:a16="http://schemas.microsoft.com/office/drawing/2014/main" xmlns="" id="{AC3CD658-6C4C-49F8-8B83-5AE503BD9F21}"/>
+                <a16:creationId xmlns:a16="http://schemas.microsoft.com/office/drawing/2014/main" id="{AC3CD658-6C4C-49F8-8B83-5AE503BD9F21}"/>
               </a:ext>
             </a:extLst>
           </p:cNvPr>
@@ -10656,7 +10629,7 @@
           <p:cNvPr id="2" name="Straight Arrow Connector 1">
             <a:extLst>
               <a:ext uri="{FF2B5EF4-FFF2-40B4-BE49-F238E27FC236}">
-                <a16:creationId xmlns:a16="http://schemas.microsoft.com/office/drawing/2014/main" xmlns="" id="{2E2AAFA3-98E7-45F6-A84F-2B09E27F0E05}"/>
+                <a16:creationId xmlns:a16="http://schemas.microsoft.com/office/drawing/2014/main" id="{2E2AAFA3-98E7-45F6-A84F-2B09E27F0E05}"/>
               </a:ext>
             </a:extLst>
           </p:cNvPr>
@@ -10697,7 +10670,7 @@
           <p:cNvPr id="7" name="Título 1">
             <a:extLst>
               <a:ext uri="{FF2B5EF4-FFF2-40B4-BE49-F238E27FC236}">
-                <a16:creationId xmlns:a16="http://schemas.microsoft.com/office/drawing/2014/main" xmlns="" id="{99F76FBE-1BC2-4EE6-B90A-22263BF7BDCD}"/>
+                <a16:creationId xmlns:a16="http://schemas.microsoft.com/office/drawing/2014/main" id="{99F76FBE-1BC2-4EE6-B90A-22263BF7BDCD}"/>
               </a:ext>
             </a:extLst>
           </p:cNvPr>
@@ -10760,7 +10733,7 @@
           <p:cNvPr id="3" name="Imagem 2" descr="Uma imagem contendo computador, mesa, placar&#10;&#10;Descrição gerada automaticamente">
             <a:extLst>
               <a:ext uri="{FF2B5EF4-FFF2-40B4-BE49-F238E27FC236}">
-                <a16:creationId xmlns:a16="http://schemas.microsoft.com/office/drawing/2014/main" xmlns="" id="{E7722BCF-4D3E-4881-85FC-FDFB0A9C5D26}"/>
+                <a16:creationId xmlns:a16="http://schemas.microsoft.com/office/drawing/2014/main" id="{E7722BCF-4D3E-4881-85FC-FDFB0A9C5D26}"/>
               </a:ext>
             </a:extLst>
           </p:cNvPr>
@@ -10796,7 +10769,7 @@
           <p:cNvPr id="5" name="Imagem 4" descr="Uma imagem contendo computador, mesa, placar&#10;&#10;Descrição gerada automaticamente">
             <a:extLst>
               <a:ext uri="{FF2B5EF4-FFF2-40B4-BE49-F238E27FC236}">
-                <a16:creationId xmlns:a16="http://schemas.microsoft.com/office/drawing/2014/main" xmlns="" id="{1BA5416E-FED9-4D36-B076-4C0B63CC04DF}"/>
+                <a16:creationId xmlns:a16="http://schemas.microsoft.com/office/drawing/2014/main" id="{1BA5416E-FED9-4D36-B076-4C0B63CC04DF}"/>
               </a:ext>
             </a:extLst>
           </p:cNvPr>
@@ -10832,7 +10805,7 @@
           <p:cNvPr id="12" name="Picture 2">
             <a:extLst>
               <a:ext uri="{FF2B5EF4-FFF2-40B4-BE49-F238E27FC236}">
-                <a16:creationId xmlns:a16="http://schemas.microsoft.com/office/drawing/2014/main" xmlns="" id="{0D6D5F2D-E216-4EF8-B7A0-DCF27C26833B}"/>
+                <a16:creationId xmlns:a16="http://schemas.microsoft.com/office/drawing/2014/main" id="{0D6D5F2D-E216-4EF8-B7A0-DCF27C26833B}"/>
               </a:ext>
             </a:extLst>
           </p:cNvPr>
@@ -11150,7 +11123,7 @@
           <p:cNvPr id="2" name="Straight Arrow Connector 1">
             <a:extLst>
               <a:ext uri="{FF2B5EF4-FFF2-40B4-BE49-F238E27FC236}">
-                <a16:creationId xmlns:a16="http://schemas.microsoft.com/office/drawing/2014/main" xmlns="" id="{0E879EDF-FD29-4671-BCE0-08B24F0E6335}"/>
+                <a16:creationId xmlns:a16="http://schemas.microsoft.com/office/drawing/2014/main" id="{0E879EDF-FD29-4671-BCE0-08B24F0E6335}"/>
               </a:ext>
             </a:extLst>
           </p:cNvPr>
@@ -11191,7 +11164,7 @@
           <p:cNvPr id="7" name="Título 1">
             <a:extLst>
               <a:ext uri="{FF2B5EF4-FFF2-40B4-BE49-F238E27FC236}">
-                <a16:creationId xmlns:a16="http://schemas.microsoft.com/office/drawing/2014/main" xmlns="" id="{99F76FBE-1BC2-4EE6-B90A-22263BF7BDCD}"/>
+                <a16:creationId xmlns:a16="http://schemas.microsoft.com/office/drawing/2014/main" id="{99F76FBE-1BC2-4EE6-B90A-22263BF7BDCD}"/>
               </a:ext>
             </a:extLst>
           </p:cNvPr>
@@ -11254,7 +11227,7 @@
           <p:cNvPr id="8" name="Imagem 7" descr="Uma imagem contendo computador, mesa, quarto&#10;&#10;Descrição gerada automaticamente">
             <a:extLst>
               <a:ext uri="{FF2B5EF4-FFF2-40B4-BE49-F238E27FC236}">
-                <a16:creationId xmlns:a16="http://schemas.microsoft.com/office/drawing/2014/main" xmlns="" id="{D6CF6015-2714-4F93-AC2D-8050829F4D79}"/>
+                <a16:creationId xmlns:a16="http://schemas.microsoft.com/office/drawing/2014/main" id="{D6CF6015-2714-4F93-AC2D-8050829F4D79}"/>
               </a:ext>
             </a:extLst>
           </p:cNvPr>
@@ -11290,7 +11263,7 @@
           <p:cNvPr id="10" name="Imagem 9">
             <a:extLst>
               <a:ext uri="{FF2B5EF4-FFF2-40B4-BE49-F238E27FC236}">
-                <a16:creationId xmlns:a16="http://schemas.microsoft.com/office/drawing/2014/main" xmlns="" id="{1AA6D7F6-3ED2-4B47-AF1E-77D85B0F9C44}"/>
+                <a16:creationId xmlns:a16="http://schemas.microsoft.com/office/drawing/2014/main" id="{1AA6D7F6-3ED2-4B47-AF1E-77D85B0F9C44}"/>
               </a:ext>
             </a:extLst>
           </p:cNvPr>
@@ -11325,7 +11298,7 @@
           <p:cNvPr id="9" name="Picture 2">
             <a:extLst>
               <a:ext uri="{FF2B5EF4-FFF2-40B4-BE49-F238E27FC236}">
-                <a16:creationId xmlns:a16="http://schemas.microsoft.com/office/drawing/2014/main" xmlns="" id="{EA898A82-4831-4FF2-8BCE-84766B41F593}"/>
+                <a16:creationId xmlns:a16="http://schemas.microsoft.com/office/drawing/2014/main" id="{EA898A82-4831-4FF2-8BCE-84766B41F593}"/>
               </a:ext>
             </a:extLst>
           </p:cNvPr>
@@ -11643,7 +11616,7 @@
           <p:cNvPr id="7" name="Título 1">
             <a:extLst>
               <a:ext uri="{FF2B5EF4-FFF2-40B4-BE49-F238E27FC236}">
-                <a16:creationId xmlns:a16="http://schemas.microsoft.com/office/drawing/2014/main" xmlns="" id="{99F76FBE-1BC2-4EE6-B90A-22263BF7BDCD}"/>
+                <a16:creationId xmlns:a16="http://schemas.microsoft.com/office/drawing/2014/main" id="{99F76FBE-1BC2-4EE6-B90A-22263BF7BDCD}"/>
               </a:ext>
             </a:extLst>
           </p:cNvPr>
@@ -11706,7 +11679,7 @@
           <p:cNvPr id="3" name="Picture 2">
             <a:extLst>
               <a:ext uri="{FF2B5EF4-FFF2-40B4-BE49-F238E27FC236}">
-                <a16:creationId xmlns:a16="http://schemas.microsoft.com/office/drawing/2014/main" xmlns="" id="{AC4DAA30-492A-469B-B805-07A08939929B}"/>
+                <a16:creationId xmlns:a16="http://schemas.microsoft.com/office/drawing/2014/main" id="{AC4DAA30-492A-469B-B805-07A08939929B}"/>
               </a:ext>
             </a:extLst>
           </p:cNvPr>
@@ -11753,7 +11726,7 @@
           <p:cNvPr id="4" name="Imagem 3">
             <a:extLst>
               <a:ext uri="{FF2B5EF4-FFF2-40B4-BE49-F238E27FC236}">
-                <a16:creationId xmlns:a16="http://schemas.microsoft.com/office/drawing/2014/main" xmlns="" id="{2470A4C6-8432-4A0E-811B-1A4FF840AE5D}"/>
+                <a16:creationId xmlns:a16="http://schemas.microsoft.com/office/drawing/2014/main" id="{2470A4C6-8432-4A0E-811B-1A4FF840AE5D}"/>
               </a:ext>
             </a:extLst>
           </p:cNvPr>
@@ -11789,7 +11762,7 @@
           <p:cNvPr id="6" name="Imagem 5">
             <a:extLst>
               <a:ext uri="{FF2B5EF4-FFF2-40B4-BE49-F238E27FC236}">
-                <a16:creationId xmlns:a16="http://schemas.microsoft.com/office/drawing/2014/main" xmlns="" id="{C579D106-AB86-44A3-AF66-F77133BCEFE8}"/>
+                <a16:creationId xmlns:a16="http://schemas.microsoft.com/office/drawing/2014/main" id="{C579D106-AB86-44A3-AF66-F77133BCEFE8}"/>
               </a:ext>
             </a:extLst>
           </p:cNvPr>
@@ -11825,7 +11798,7 @@
           <p:cNvPr id="9" name="Imagem 8">
             <a:extLst>
               <a:ext uri="{FF2B5EF4-FFF2-40B4-BE49-F238E27FC236}">
-                <a16:creationId xmlns:a16="http://schemas.microsoft.com/office/drawing/2014/main" xmlns="" id="{7C695A83-F9AC-4871-8CF1-C80CF9FD7957}"/>
+                <a16:creationId xmlns:a16="http://schemas.microsoft.com/office/drawing/2014/main" id="{7C695A83-F9AC-4871-8CF1-C80CF9FD7957}"/>
               </a:ext>
             </a:extLst>
           </p:cNvPr>
@@ -11861,7 +11834,7 @@
           <p:cNvPr id="11" name="Imagem 10" descr="Mulher de óculos posando para foto&#10;&#10;Descrição gerada automaticamente">
             <a:extLst>
               <a:ext uri="{FF2B5EF4-FFF2-40B4-BE49-F238E27FC236}">
-                <a16:creationId xmlns:a16="http://schemas.microsoft.com/office/drawing/2014/main" xmlns="" id="{8327A709-7859-4596-B314-B69C101CBD5B}"/>
+                <a16:creationId xmlns:a16="http://schemas.microsoft.com/office/drawing/2014/main" id="{8327A709-7859-4596-B314-B69C101CBD5B}"/>
               </a:ext>
             </a:extLst>
           </p:cNvPr>
@@ -11903,7 +11876,7 @@
           <p:cNvPr id="2" name="Straight Arrow Connector 1">
             <a:extLst>
               <a:ext uri="{FF2B5EF4-FFF2-40B4-BE49-F238E27FC236}">
-                <a16:creationId xmlns:a16="http://schemas.microsoft.com/office/drawing/2014/main" xmlns="" id="{8979F1CA-9C59-404E-971E-821E507AD83F}"/>
+                <a16:creationId xmlns:a16="http://schemas.microsoft.com/office/drawing/2014/main" id="{8979F1CA-9C59-404E-971E-821E507AD83F}"/>
               </a:ext>
             </a:extLst>
           </p:cNvPr>
@@ -12303,7 +12276,7 @@
           <p:cNvPr id="2" name="Straight Arrow Connector 1">
             <a:extLst>
               <a:ext uri="{FF2B5EF4-FFF2-40B4-BE49-F238E27FC236}">
-                <a16:creationId xmlns:a16="http://schemas.microsoft.com/office/drawing/2014/main" xmlns="" id="{8067B5E4-5CC9-4738-A6C6-0C51E8FD5F7E}"/>
+                <a16:creationId xmlns:a16="http://schemas.microsoft.com/office/drawing/2014/main" id="{8067B5E4-5CC9-4738-A6C6-0C51E8FD5F7E}"/>
               </a:ext>
             </a:extLst>
           </p:cNvPr>
@@ -12344,7 +12317,7 @@
           <p:cNvPr id="7" name="Título 1">
             <a:extLst>
               <a:ext uri="{FF2B5EF4-FFF2-40B4-BE49-F238E27FC236}">
-                <a16:creationId xmlns:a16="http://schemas.microsoft.com/office/drawing/2014/main" xmlns="" id="{99F76FBE-1BC2-4EE6-B90A-22263BF7BDCD}"/>
+                <a16:creationId xmlns:a16="http://schemas.microsoft.com/office/drawing/2014/main" id="{99F76FBE-1BC2-4EE6-B90A-22263BF7BDCD}"/>
               </a:ext>
             </a:extLst>
           </p:cNvPr>
@@ -12407,7 +12380,7 @@
           <p:cNvPr id="3" name="Imagem 2" descr="Uma imagem contendo atletismo, homem, mulher, jovem&#10;&#10;Descrição gerada automaticamente">
             <a:extLst>
               <a:ext uri="{FF2B5EF4-FFF2-40B4-BE49-F238E27FC236}">
-                <a16:creationId xmlns:a16="http://schemas.microsoft.com/office/drawing/2014/main" xmlns="" id="{C1A98800-58DC-4483-87DF-2963DFDEA1E7}"/>
+                <a16:creationId xmlns:a16="http://schemas.microsoft.com/office/drawing/2014/main" id="{C1A98800-58DC-4483-87DF-2963DFDEA1E7}"/>
               </a:ext>
             </a:extLst>
           </p:cNvPr>
@@ -12443,7 +12416,7 @@
           <p:cNvPr id="4" name="Picture 2">
             <a:extLst>
               <a:ext uri="{FF2B5EF4-FFF2-40B4-BE49-F238E27FC236}">
-                <a16:creationId xmlns:a16="http://schemas.microsoft.com/office/drawing/2014/main" xmlns="" id="{81A7A57C-8BAD-40FC-9628-0A271DFBCD32}"/>
+                <a16:creationId xmlns:a16="http://schemas.microsoft.com/office/drawing/2014/main" id="{81A7A57C-8BAD-40FC-9628-0A271DFBCD32}"/>
               </a:ext>
             </a:extLst>
           </p:cNvPr>
@@ -12490,7 +12463,7 @@
           <p:cNvPr id="8" name="Título 1">
             <a:extLst>
               <a:ext uri="{FF2B5EF4-FFF2-40B4-BE49-F238E27FC236}">
-                <a16:creationId xmlns:a16="http://schemas.microsoft.com/office/drawing/2014/main" xmlns="" id="{D8EF5F0E-CD81-4152-8D0B-8902A213ECB2}"/>
+                <a16:creationId xmlns:a16="http://schemas.microsoft.com/office/drawing/2014/main" id="{D8EF5F0E-CD81-4152-8D0B-8902A213ECB2}"/>
               </a:ext>
             </a:extLst>
           </p:cNvPr>
@@ -12873,7 +12846,7 @@
           <p:cNvPr id="2" name="Straight Arrow Connector 1">
             <a:extLst>
               <a:ext uri="{FF2B5EF4-FFF2-40B4-BE49-F238E27FC236}">
-                <a16:creationId xmlns:a16="http://schemas.microsoft.com/office/drawing/2014/main" xmlns="" id="{E8D38C0A-F3C1-4051-ABE3-35FA8150390A}"/>
+                <a16:creationId xmlns:a16="http://schemas.microsoft.com/office/drawing/2014/main" id="{E8D38C0A-F3C1-4051-ABE3-35FA8150390A}"/>
               </a:ext>
             </a:extLst>
           </p:cNvPr>
@@ -12914,7 +12887,7 @@
           <p:cNvPr id="7" name="Título 1">
             <a:extLst>
               <a:ext uri="{FF2B5EF4-FFF2-40B4-BE49-F238E27FC236}">
-                <a16:creationId xmlns:a16="http://schemas.microsoft.com/office/drawing/2014/main" xmlns="" id="{99F76FBE-1BC2-4EE6-B90A-22263BF7BDCD}"/>
+                <a16:creationId xmlns:a16="http://schemas.microsoft.com/office/drawing/2014/main" id="{99F76FBE-1BC2-4EE6-B90A-22263BF7BDCD}"/>
               </a:ext>
             </a:extLst>
           </p:cNvPr>
@@ -12977,7 +12950,7 @@
           <p:cNvPr id="3" name="Imagem 2" descr="Uma imagem contendo mesa, atletismo&#10;&#10;Descrição gerada automaticamente">
             <a:extLst>
               <a:ext uri="{FF2B5EF4-FFF2-40B4-BE49-F238E27FC236}">
-                <a16:creationId xmlns:a16="http://schemas.microsoft.com/office/drawing/2014/main" xmlns="" id="{4F1DEA53-EAA9-41BE-AAAD-67147C20EFA3}"/>
+                <a16:creationId xmlns:a16="http://schemas.microsoft.com/office/drawing/2014/main" id="{4F1DEA53-EAA9-41BE-AAAD-67147C20EFA3}"/>
               </a:ext>
             </a:extLst>
           </p:cNvPr>
@@ -13013,7 +12986,7 @@
           <p:cNvPr id="4" name="Picture 2">
             <a:extLst>
               <a:ext uri="{FF2B5EF4-FFF2-40B4-BE49-F238E27FC236}">
-                <a16:creationId xmlns:a16="http://schemas.microsoft.com/office/drawing/2014/main" xmlns="" id="{D63799FE-FD58-46C7-8DD5-1902EEB7FE5C}"/>
+                <a16:creationId xmlns:a16="http://schemas.microsoft.com/office/drawing/2014/main" id="{D63799FE-FD58-46C7-8DD5-1902EEB7FE5C}"/>
               </a:ext>
             </a:extLst>
           </p:cNvPr>

--- a/Documentação/slide v0.6.pptx
+++ b/Documentação/slide v0.6.pptx
@@ -2991,7 +2991,7 @@
           <p:cNvPr id="2" name="Rectangle: Rounded Corners 1">
             <a:extLst>
               <a:ext uri="{FF2B5EF4-FFF2-40B4-BE49-F238E27FC236}">
-                <a16:creationId xmlns:a16="http://schemas.microsoft.com/office/drawing/2014/main" xmlns="" id="{1678591B-5872-4D1A-943E-5BC3264C3CFB}"/>
+                <a16:creationId xmlns="" xmlns:a16="http://schemas.microsoft.com/office/drawing/2014/main" id="{1678591B-5872-4D1A-943E-5BC3264C3CFB}"/>
               </a:ext>
             </a:extLst>
           </p:cNvPr>
@@ -3045,7 +3045,7 @@
           <p:cNvPr id="2050" name="Picture 2">
             <a:extLst>
               <a:ext uri="{FF2B5EF4-FFF2-40B4-BE49-F238E27FC236}">
-                <a16:creationId xmlns:a16="http://schemas.microsoft.com/office/drawing/2014/main" xmlns="" id="{C727CAE5-80E2-41CE-B37E-BBFAE305DF84}"/>
+                <a16:creationId xmlns="" xmlns:a16="http://schemas.microsoft.com/office/drawing/2014/main" id="{C727CAE5-80E2-41CE-B37E-BBFAE305DF84}"/>
               </a:ext>
             </a:extLst>
           </p:cNvPr>
@@ -3092,7 +3092,7 @@
           <p:cNvPr id="4" name="Rectangle: Rounded Corners 3">
             <a:extLst>
               <a:ext uri="{FF2B5EF4-FFF2-40B4-BE49-F238E27FC236}">
-                <a16:creationId xmlns:a16="http://schemas.microsoft.com/office/drawing/2014/main" xmlns="" id="{C0D744C7-2B31-44CA-BA1F-D2700F2BF96D}"/>
+                <a16:creationId xmlns="" xmlns:a16="http://schemas.microsoft.com/office/drawing/2014/main" id="{C0D744C7-2B31-44CA-BA1F-D2700F2BF96D}"/>
               </a:ext>
             </a:extLst>
           </p:cNvPr>
@@ -3274,7 +3274,7 @@
           <p:cNvPr id="7" name="Título 1">
             <a:extLst>
               <a:ext uri="{FF2B5EF4-FFF2-40B4-BE49-F238E27FC236}">
-                <a16:creationId xmlns:a16="http://schemas.microsoft.com/office/drawing/2014/main" xmlns="" id="{99F76FBE-1BC2-4EE6-B90A-22263BF7BDCD}"/>
+                <a16:creationId xmlns="" xmlns:a16="http://schemas.microsoft.com/office/drawing/2014/main" id="{99F76FBE-1BC2-4EE6-B90A-22263BF7BDCD}"/>
               </a:ext>
             </a:extLst>
           </p:cNvPr>
@@ -3337,7 +3337,7 @@
           <p:cNvPr id="3" name="Imagem 2" descr="Homem de terno e gravata&#10;&#10;Descrição gerada automaticamente">
             <a:extLst>
               <a:ext uri="{FF2B5EF4-FFF2-40B4-BE49-F238E27FC236}">
-                <a16:creationId xmlns:a16="http://schemas.microsoft.com/office/drawing/2014/main" xmlns="" id="{45A7DAAC-3A03-41B9-9567-0893A169710D}"/>
+                <a16:creationId xmlns="" xmlns:a16="http://schemas.microsoft.com/office/drawing/2014/main" id="{45A7DAAC-3A03-41B9-9567-0893A169710D}"/>
               </a:ext>
             </a:extLst>
           </p:cNvPr>
@@ -3373,7 +3373,7 @@
           <p:cNvPr id="4" name="Picture 2">
             <a:extLst>
               <a:ext uri="{FF2B5EF4-FFF2-40B4-BE49-F238E27FC236}">
-                <a16:creationId xmlns:a16="http://schemas.microsoft.com/office/drawing/2014/main" xmlns="" id="{EF083EFE-E484-4847-A645-55EC0AADCCE5}"/>
+                <a16:creationId xmlns="" xmlns:a16="http://schemas.microsoft.com/office/drawing/2014/main" id="{EF083EFE-E484-4847-A645-55EC0AADCCE5}"/>
               </a:ext>
             </a:extLst>
           </p:cNvPr>
@@ -3420,7 +3420,7 @@
           <p:cNvPr id="2" name="Straight Arrow Connector 1">
             <a:extLst>
               <a:ext uri="{FF2B5EF4-FFF2-40B4-BE49-F238E27FC236}">
-                <a16:creationId xmlns:a16="http://schemas.microsoft.com/office/drawing/2014/main" xmlns="" id="{8BC350D6-EEE4-4369-B0B7-E605D1C2FDBA}"/>
+                <a16:creationId xmlns="" xmlns:a16="http://schemas.microsoft.com/office/drawing/2014/main" id="{8BC350D6-EEE4-4369-B0B7-E605D1C2FDBA}"/>
               </a:ext>
             </a:extLst>
           </p:cNvPr>
@@ -3461,7 +3461,7 @@
           <p:cNvPr id="6" name="Título 1">
             <a:extLst>
               <a:ext uri="{FF2B5EF4-FFF2-40B4-BE49-F238E27FC236}">
-                <a16:creationId xmlns:a16="http://schemas.microsoft.com/office/drawing/2014/main" xmlns="" id="{A15A3B00-7CB9-480C-A836-9AB25F3FC0B6}"/>
+                <a16:creationId xmlns="" xmlns:a16="http://schemas.microsoft.com/office/drawing/2014/main" id="{A15A3B00-7CB9-480C-A836-9AB25F3FC0B6}"/>
               </a:ext>
             </a:extLst>
           </p:cNvPr>
@@ -3553,13 +3553,7 @@
               <a:rPr lang="pt-BR" sz="2800" dirty="0" smtClean="0">
                 <a:latin typeface="Bariol Bold" panose="02000506040000020003"/>
               </a:rPr>
-              <a:t>Prevenção de erros</a:t>
-            </a:r>
-            <a:r>
-              <a:rPr lang="pt-BR" sz="2800" dirty="0" smtClean="0">
-                <a:latin typeface="Bariol Bold" panose="02000506040000020003"/>
-              </a:rPr>
-              <a:t>;</a:t>
+              <a:t>Prevenção de erros;</a:t>
             </a:r>
             <a:endParaRPr lang="pt-BR" sz="2800" dirty="0">
               <a:latin typeface="Bariol Bold" panose="02000506040000020003"/>
@@ -3853,7 +3847,7 @@
           <p:cNvPr id="7" name="Título 1">
             <a:extLst>
               <a:ext uri="{FF2B5EF4-FFF2-40B4-BE49-F238E27FC236}">
-                <a16:creationId xmlns:a16="http://schemas.microsoft.com/office/drawing/2014/main" xmlns="" id="{99F76FBE-1BC2-4EE6-B90A-22263BF7BDCD}"/>
+                <a16:creationId xmlns="" xmlns:a16="http://schemas.microsoft.com/office/drawing/2014/main" id="{99F76FBE-1BC2-4EE6-B90A-22263BF7BDCD}"/>
               </a:ext>
             </a:extLst>
           </p:cNvPr>
@@ -3916,7 +3910,7 @@
           <p:cNvPr id="28" name="Imagem 27" descr="Tela de celular com publicação numa rede social&#10;&#10;Descrição gerada automaticamente">
             <a:extLst>
               <a:ext uri="{FF2B5EF4-FFF2-40B4-BE49-F238E27FC236}">
-                <a16:creationId xmlns:a16="http://schemas.microsoft.com/office/drawing/2014/main" xmlns="" id="{61268346-1331-44EB-B0B9-4977721EB956}"/>
+                <a16:creationId xmlns="" xmlns:a16="http://schemas.microsoft.com/office/drawing/2014/main" id="{61268346-1331-44EB-B0B9-4977721EB956}"/>
               </a:ext>
             </a:extLst>
           </p:cNvPr>
@@ -3952,7 +3946,7 @@
           <p:cNvPr id="29" name="Picture 2">
             <a:extLst>
               <a:ext uri="{FF2B5EF4-FFF2-40B4-BE49-F238E27FC236}">
-                <a16:creationId xmlns:a16="http://schemas.microsoft.com/office/drawing/2014/main" xmlns="" id="{6B73972F-21DB-4306-BAF9-0BAEC8E2AFB8}"/>
+                <a16:creationId xmlns="" xmlns:a16="http://schemas.microsoft.com/office/drawing/2014/main" id="{6B73972F-21DB-4306-BAF9-0BAEC8E2AFB8}"/>
               </a:ext>
             </a:extLst>
           </p:cNvPr>
@@ -3999,7 +3993,7 @@
           <p:cNvPr id="2" name="Straight Arrow Connector 1">
             <a:extLst>
               <a:ext uri="{FF2B5EF4-FFF2-40B4-BE49-F238E27FC236}">
-                <a16:creationId xmlns:a16="http://schemas.microsoft.com/office/drawing/2014/main" xmlns="" id="{6C7559BD-1A65-48D2-BF89-AB2B2E59EA93}"/>
+                <a16:creationId xmlns="" xmlns:a16="http://schemas.microsoft.com/office/drawing/2014/main" id="{6C7559BD-1A65-48D2-BF89-AB2B2E59EA93}"/>
               </a:ext>
             </a:extLst>
           </p:cNvPr>
@@ -4040,7 +4034,7 @@
           <p:cNvPr id="3" name="Retângulo 2">
             <a:extLst>
               <a:ext uri="{FF2B5EF4-FFF2-40B4-BE49-F238E27FC236}">
-                <a16:creationId xmlns:a16="http://schemas.microsoft.com/office/drawing/2014/main" xmlns="" id="{6C4552BF-73DB-4DF0-A4A4-BCBB9C28F9A8}"/>
+                <a16:creationId xmlns="" xmlns:a16="http://schemas.microsoft.com/office/drawing/2014/main" id="{6C4552BF-73DB-4DF0-A4A4-BCBB9C28F9A8}"/>
               </a:ext>
             </a:extLst>
           </p:cNvPr>
@@ -4328,7 +4322,7 @@
           <p:cNvPr id="2" name="Straight Arrow Connector 1">
             <a:extLst>
               <a:ext uri="{FF2B5EF4-FFF2-40B4-BE49-F238E27FC236}">
-                <a16:creationId xmlns:a16="http://schemas.microsoft.com/office/drawing/2014/main" xmlns="" id="{6ACC84AA-450E-406B-A9C6-80C5F46E719A}"/>
+                <a16:creationId xmlns="" xmlns:a16="http://schemas.microsoft.com/office/drawing/2014/main" id="{6ACC84AA-450E-406B-A9C6-80C5F46E719A}"/>
               </a:ext>
             </a:extLst>
           </p:cNvPr>
@@ -4369,7 +4363,7 @@
           <p:cNvPr id="7" name="Título 1">
             <a:extLst>
               <a:ext uri="{FF2B5EF4-FFF2-40B4-BE49-F238E27FC236}">
-                <a16:creationId xmlns:a16="http://schemas.microsoft.com/office/drawing/2014/main" xmlns="" id="{99F76FBE-1BC2-4EE6-B90A-22263BF7BDCD}"/>
+                <a16:creationId xmlns="" xmlns:a16="http://schemas.microsoft.com/office/drawing/2014/main" id="{99F76FBE-1BC2-4EE6-B90A-22263BF7BDCD}"/>
               </a:ext>
             </a:extLst>
           </p:cNvPr>
@@ -4456,7 +4450,7 @@
           <p:cNvPr id="3" name="Imagem 2" descr="Tela de celular com publicação numa rede social&#10;&#10;Descrição gerada automaticamente">
             <a:extLst>
               <a:ext uri="{FF2B5EF4-FFF2-40B4-BE49-F238E27FC236}">
-                <a16:creationId xmlns:a16="http://schemas.microsoft.com/office/drawing/2014/main" xmlns="" id="{0B865BA3-DC4F-4AC1-A70C-EB7E6005A294}"/>
+                <a16:creationId xmlns="" xmlns:a16="http://schemas.microsoft.com/office/drawing/2014/main" id="{0B865BA3-DC4F-4AC1-A70C-EB7E6005A294}"/>
               </a:ext>
             </a:extLst>
           </p:cNvPr>
@@ -4492,7 +4486,7 @@
           <p:cNvPr id="5" name="Picture 2">
             <a:extLst>
               <a:ext uri="{FF2B5EF4-FFF2-40B4-BE49-F238E27FC236}">
-                <a16:creationId xmlns:a16="http://schemas.microsoft.com/office/drawing/2014/main" xmlns="" id="{34427FB4-15EE-40BB-A37F-5A67DAC3AD61}"/>
+                <a16:creationId xmlns="" xmlns:a16="http://schemas.microsoft.com/office/drawing/2014/main" id="{34427FB4-15EE-40BB-A37F-5A67DAC3AD61}"/>
               </a:ext>
             </a:extLst>
           </p:cNvPr>
@@ -4775,7 +4769,7 @@
           <p:cNvPr id="7" name="Título 1">
             <a:extLst>
               <a:ext uri="{FF2B5EF4-FFF2-40B4-BE49-F238E27FC236}">
-                <a16:creationId xmlns:a16="http://schemas.microsoft.com/office/drawing/2014/main" xmlns="" id="{99F76FBE-1BC2-4EE6-B90A-22263BF7BDCD}"/>
+                <a16:creationId xmlns="" xmlns:a16="http://schemas.microsoft.com/office/drawing/2014/main" id="{99F76FBE-1BC2-4EE6-B90A-22263BF7BDCD}"/>
               </a:ext>
             </a:extLst>
           </p:cNvPr>
@@ -4847,7 +4841,7 @@
           <p:cNvPr id="3" name="Imagem 2" descr="Tela de celular com publicação numa rede social&#10;&#10;Descrição gerada automaticamente">
             <a:extLst>
               <a:ext uri="{FF2B5EF4-FFF2-40B4-BE49-F238E27FC236}">
-                <a16:creationId xmlns:a16="http://schemas.microsoft.com/office/drawing/2014/main" xmlns="" id="{F8DE0345-A9A1-4C31-8B11-E73D5EE14912}"/>
+                <a16:creationId xmlns="" xmlns:a16="http://schemas.microsoft.com/office/drawing/2014/main" id="{F8DE0345-A9A1-4C31-8B11-E73D5EE14912}"/>
               </a:ext>
             </a:extLst>
           </p:cNvPr>
@@ -4883,7 +4877,7 @@
           <p:cNvPr id="6" name="Picture 2">
             <a:extLst>
               <a:ext uri="{FF2B5EF4-FFF2-40B4-BE49-F238E27FC236}">
-                <a16:creationId xmlns:a16="http://schemas.microsoft.com/office/drawing/2014/main" xmlns="" id="{7D8A13F6-EB0A-4076-8606-412A4E22E8D0}"/>
+                <a16:creationId xmlns="" xmlns:a16="http://schemas.microsoft.com/office/drawing/2014/main" id="{7D8A13F6-EB0A-4076-8606-412A4E22E8D0}"/>
               </a:ext>
             </a:extLst>
           </p:cNvPr>
@@ -4930,7 +4924,7 @@
           <p:cNvPr id="2" name="Straight Arrow Connector 1">
             <a:extLst>
               <a:ext uri="{FF2B5EF4-FFF2-40B4-BE49-F238E27FC236}">
-                <a16:creationId xmlns:a16="http://schemas.microsoft.com/office/drawing/2014/main" xmlns="" id="{F2F70B19-B201-483C-B039-755093547CE4}"/>
+                <a16:creationId xmlns="" xmlns:a16="http://schemas.microsoft.com/office/drawing/2014/main" id="{F2F70B19-B201-483C-B039-755093547CE4}"/>
               </a:ext>
             </a:extLst>
           </p:cNvPr>
@@ -5207,7 +5201,7 @@
           <p:cNvPr id="7" name="Título 1">
             <a:extLst>
               <a:ext uri="{FF2B5EF4-FFF2-40B4-BE49-F238E27FC236}">
-                <a16:creationId xmlns:a16="http://schemas.microsoft.com/office/drawing/2014/main" xmlns="" id="{99F76FBE-1BC2-4EE6-B90A-22263BF7BDCD}"/>
+                <a16:creationId xmlns="" xmlns:a16="http://schemas.microsoft.com/office/drawing/2014/main" id="{99F76FBE-1BC2-4EE6-B90A-22263BF7BDCD}"/>
               </a:ext>
             </a:extLst>
           </p:cNvPr>
@@ -5270,7 +5264,7 @@
           <p:cNvPr id="5" name="Picture 2">
             <a:extLst>
               <a:ext uri="{FF2B5EF4-FFF2-40B4-BE49-F238E27FC236}">
-                <a16:creationId xmlns:a16="http://schemas.microsoft.com/office/drawing/2014/main" xmlns="" id="{5E6A065D-74B6-43C9-8951-4759FD99C85F}"/>
+                <a16:creationId xmlns="" xmlns:a16="http://schemas.microsoft.com/office/drawing/2014/main" id="{5E6A065D-74B6-43C9-8951-4759FD99C85F}"/>
               </a:ext>
             </a:extLst>
           </p:cNvPr>
@@ -5317,7 +5311,7 @@
           <p:cNvPr id="2" name="Straight Arrow Connector 1">
             <a:extLst>
               <a:ext uri="{FF2B5EF4-FFF2-40B4-BE49-F238E27FC236}">
-                <a16:creationId xmlns:a16="http://schemas.microsoft.com/office/drawing/2014/main" xmlns="" id="{102C7A15-5BE4-4E8E-826E-06C7E84CB27C}"/>
+                <a16:creationId xmlns="" xmlns:a16="http://schemas.microsoft.com/office/drawing/2014/main" id="{102C7A15-5BE4-4E8E-826E-06C7E84CB27C}"/>
               </a:ext>
             </a:extLst>
           </p:cNvPr>
@@ -5358,7 +5352,7 @@
           <p:cNvPr id="4" name="Imagem 3">
             <a:extLst>
               <a:ext uri="{FF2B5EF4-FFF2-40B4-BE49-F238E27FC236}">
-                <a16:creationId xmlns:a16="http://schemas.microsoft.com/office/drawing/2014/main" xmlns="" id="{B0F33F9C-FC80-4ABE-9528-33AD86025CEC}"/>
+                <a16:creationId xmlns="" xmlns:a16="http://schemas.microsoft.com/office/drawing/2014/main" id="{B0F33F9C-FC80-4ABE-9528-33AD86025CEC}"/>
               </a:ext>
             </a:extLst>
           </p:cNvPr>
@@ -5589,7 +5583,7 @@
           <p:cNvPr id="4" name="Straight Arrow Connector 3">
             <a:extLst>
               <a:ext uri="{FF2B5EF4-FFF2-40B4-BE49-F238E27FC236}">
-                <a16:creationId xmlns:a16="http://schemas.microsoft.com/office/drawing/2014/main" xmlns="" id="{2E47AAF4-0703-407A-9375-DE4A2497442E}"/>
+                <a16:creationId xmlns="" xmlns:a16="http://schemas.microsoft.com/office/drawing/2014/main" id="{2E47AAF4-0703-407A-9375-DE4A2497442E}"/>
               </a:ext>
             </a:extLst>
           </p:cNvPr>
@@ -5630,7 +5624,7 @@
           <p:cNvPr id="7" name="Título 1">
             <a:extLst>
               <a:ext uri="{FF2B5EF4-FFF2-40B4-BE49-F238E27FC236}">
-                <a16:creationId xmlns:a16="http://schemas.microsoft.com/office/drawing/2014/main" xmlns="" id="{99F76FBE-1BC2-4EE6-B90A-22263BF7BDCD}"/>
+                <a16:creationId xmlns="" xmlns:a16="http://schemas.microsoft.com/office/drawing/2014/main" id="{99F76FBE-1BC2-4EE6-B90A-22263BF7BDCD}"/>
               </a:ext>
             </a:extLst>
           </p:cNvPr>
@@ -5693,7 +5687,7 @@
           <p:cNvPr id="3" name="Picture 2">
             <a:extLst>
               <a:ext uri="{FF2B5EF4-FFF2-40B4-BE49-F238E27FC236}">
-                <a16:creationId xmlns:a16="http://schemas.microsoft.com/office/drawing/2014/main" xmlns="" id="{5C89B846-E8B4-41E5-A2FD-3C9F96F43158}"/>
+                <a16:creationId xmlns="" xmlns:a16="http://schemas.microsoft.com/office/drawing/2014/main" id="{5C89B846-E8B4-41E5-A2FD-3C9F96F43158}"/>
               </a:ext>
             </a:extLst>
           </p:cNvPr>
@@ -5740,7 +5734,7 @@
           <p:cNvPr id="2" name="Imagem 1" descr="Tela de celular com publicação numa rede social&#10;&#10;Descrição gerada automaticamente">
             <a:extLst>
               <a:ext uri="{FF2B5EF4-FFF2-40B4-BE49-F238E27FC236}">
-                <a16:creationId xmlns:a16="http://schemas.microsoft.com/office/drawing/2014/main" xmlns="" id="{45AEF87A-8133-4120-90C5-4095025AFFB4}"/>
+                <a16:creationId xmlns="" xmlns:a16="http://schemas.microsoft.com/office/drawing/2014/main" id="{45AEF87A-8133-4120-90C5-4095025AFFB4}"/>
               </a:ext>
             </a:extLst>
           </p:cNvPr>
@@ -5776,7 +5770,7 @@
           <p:cNvPr id="5" name="Imagem 4" descr="Desenho de uma pessoa&#10;&#10;Descrição gerada automaticamente">
             <a:extLst>
               <a:ext uri="{FF2B5EF4-FFF2-40B4-BE49-F238E27FC236}">
-                <a16:creationId xmlns:a16="http://schemas.microsoft.com/office/drawing/2014/main" xmlns="" id="{65B6D792-5394-44C7-88F8-DC482A934804}"/>
+                <a16:creationId xmlns="" xmlns:a16="http://schemas.microsoft.com/office/drawing/2014/main" id="{65B6D792-5394-44C7-88F8-DC482A934804}"/>
               </a:ext>
             </a:extLst>
           </p:cNvPr>
@@ -6083,7 +6077,7 @@
           <p:cNvPr id="7" name="Título 1">
             <a:extLst>
               <a:ext uri="{FF2B5EF4-FFF2-40B4-BE49-F238E27FC236}">
-                <a16:creationId xmlns:a16="http://schemas.microsoft.com/office/drawing/2014/main" xmlns="" id="{99F76FBE-1BC2-4EE6-B90A-22263BF7BDCD}"/>
+                <a16:creationId xmlns="" xmlns:a16="http://schemas.microsoft.com/office/drawing/2014/main" id="{99F76FBE-1BC2-4EE6-B90A-22263BF7BDCD}"/>
               </a:ext>
             </a:extLst>
           </p:cNvPr>
@@ -6146,7 +6140,7 @@
           <p:cNvPr id="9" name="Imagem 8" descr="Tela de computador com imagem de personagem de desenho animado&#10;&#10;Descrição gerada automaticamente">
             <a:extLst>
               <a:ext uri="{FF2B5EF4-FFF2-40B4-BE49-F238E27FC236}">
-                <a16:creationId xmlns:a16="http://schemas.microsoft.com/office/drawing/2014/main" xmlns="" id="{888F5C91-3289-44B1-BA71-0D0DD25423FD}"/>
+                <a16:creationId xmlns="" xmlns:a16="http://schemas.microsoft.com/office/drawing/2014/main" id="{888F5C91-3289-44B1-BA71-0D0DD25423FD}"/>
               </a:ext>
             </a:extLst>
           </p:cNvPr>
@@ -6182,7 +6176,7 @@
           <p:cNvPr id="4" name="Picture 2">
             <a:extLst>
               <a:ext uri="{FF2B5EF4-FFF2-40B4-BE49-F238E27FC236}">
-                <a16:creationId xmlns:a16="http://schemas.microsoft.com/office/drawing/2014/main" xmlns="" id="{3CF36ED0-FCD8-45D8-A912-5D4DD5032DBE}"/>
+                <a16:creationId xmlns="" xmlns:a16="http://schemas.microsoft.com/office/drawing/2014/main" id="{3CF36ED0-FCD8-45D8-A912-5D4DD5032DBE}"/>
               </a:ext>
             </a:extLst>
           </p:cNvPr>
@@ -6229,7 +6223,7 @@
           <p:cNvPr id="2" name="Straight Arrow Connector 1">
             <a:extLst>
               <a:ext uri="{FF2B5EF4-FFF2-40B4-BE49-F238E27FC236}">
-                <a16:creationId xmlns:a16="http://schemas.microsoft.com/office/drawing/2014/main" xmlns="" id="{EF6676ED-9702-4820-B9D8-8B178C2BC9D8}"/>
+                <a16:creationId xmlns="" xmlns:a16="http://schemas.microsoft.com/office/drawing/2014/main" id="{EF6676ED-9702-4820-B9D8-8B178C2BC9D8}"/>
               </a:ext>
             </a:extLst>
           </p:cNvPr>
@@ -6506,7 +6500,7 @@
           <p:cNvPr id="7" name="Título 1">
             <a:extLst>
               <a:ext uri="{FF2B5EF4-FFF2-40B4-BE49-F238E27FC236}">
-                <a16:creationId xmlns:a16="http://schemas.microsoft.com/office/drawing/2014/main" xmlns="" id="{99F76FBE-1BC2-4EE6-B90A-22263BF7BDCD}"/>
+                <a16:creationId xmlns="" xmlns:a16="http://schemas.microsoft.com/office/drawing/2014/main" id="{99F76FBE-1BC2-4EE6-B90A-22263BF7BDCD}"/>
               </a:ext>
             </a:extLst>
           </p:cNvPr>
@@ -6569,7 +6563,7 @@
           <p:cNvPr id="3" name="Picture 2">
             <a:extLst>
               <a:ext uri="{FF2B5EF4-FFF2-40B4-BE49-F238E27FC236}">
-                <a16:creationId xmlns:a16="http://schemas.microsoft.com/office/drawing/2014/main" xmlns="" id="{A9070500-5C9F-415F-8DFF-FBCAA846F638}"/>
+                <a16:creationId xmlns="" xmlns:a16="http://schemas.microsoft.com/office/drawing/2014/main" id="{A9070500-5C9F-415F-8DFF-FBCAA846F638}"/>
               </a:ext>
             </a:extLst>
           </p:cNvPr>
@@ -6616,7 +6610,7 @@
           <p:cNvPr id="4" name="Imagem 3">
             <a:extLst>
               <a:ext uri="{FF2B5EF4-FFF2-40B4-BE49-F238E27FC236}">
-                <a16:creationId xmlns:a16="http://schemas.microsoft.com/office/drawing/2014/main" xmlns="" id="{D9D4E4D2-9815-41A2-BEC8-0245B61DEEC4}"/>
+                <a16:creationId xmlns="" xmlns:a16="http://schemas.microsoft.com/office/drawing/2014/main" id="{D9D4E4D2-9815-41A2-BEC8-0245B61DEEC4}"/>
               </a:ext>
             </a:extLst>
           </p:cNvPr>
@@ -6652,7 +6646,7 @@
           <p:cNvPr id="2" name="Straight Arrow Connector 1">
             <a:extLst>
               <a:ext uri="{FF2B5EF4-FFF2-40B4-BE49-F238E27FC236}">
-                <a16:creationId xmlns:a16="http://schemas.microsoft.com/office/drawing/2014/main" xmlns="" id="{4E523067-FB64-412F-AE09-1E914EEC9A82}"/>
+                <a16:creationId xmlns="" xmlns:a16="http://schemas.microsoft.com/office/drawing/2014/main" id="{4E523067-FB64-412F-AE09-1E914EEC9A82}"/>
               </a:ext>
             </a:extLst>
           </p:cNvPr>
@@ -6929,7 +6923,7 @@
           <p:cNvPr id="7" name="Título 1">
             <a:extLst>
               <a:ext uri="{FF2B5EF4-FFF2-40B4-BE49-F238E27FC236}">
-                <a16:creationId xmlns:a16="http://schemas.microsoft.com/office/drawing/2014/main" xmlns="" id="{99F76FBE-1BC2-4EE6-B90A-22263BF7BDCD}"/>
+                <a16:creationId xmlns="" xmlns:a16="http://schemas.microsoft.com/office/drawing/2014/main" id="{99F76FBE-1BC2-4EE6-B90A-22263BF7BDCD}"/>
               </a:ext>
             </a:extLst>
           </p:cNvPr>
@@ -6992,7 +6986,7 @@
           <p:cNvPr id="3" name="Imagem 2" descr="Desenho de uma pessoa&#10;&#10;Descrição gerada automaticamente">
             <a:extLst>
               <a:ext uri="{FF2B5EF4-FFF2-40B4-BE49-F238E27FC236}">
-                <a16:creationId xmlns:a16="http://schemas.microsoft.com/office/drawing/2014/main" xmlns="" id="{ED02D286-F5A0-4509-8E48-BFA54F34D076}"/>
+                <a16:creationId xmlns="" xmlns:a16="http://schemas.microsoft.com/office/drawing/2014/main" id="{ED02D286-F5A0-4509-8E48-BFA54F34D076}"/>
               </a:ext>
             </a:extLst>
           </p:cNvPr>
@@ -7028,7 +7022,7 @@
           <p:cNvPr id="4" name="Picture 2">
             <a:extLst>
               <a:ext uri="{FF2B5EF4-FFF2-40B4-BE49-F238E27FC236}">
-                <a16:creationId xmlns:a16="http://schemas.microsoft.com/office/drawing/2014/main" xmlns="" id="{CDDD861E-3766-442F-8F52-68E1AE2C3753}"/>
+                <a16:creationId xmlns="" xmlns:a16="http://schemas.microsoft.com/office/drawing/2014/main" id="{CDDD861E-3766-442F-8F52-68E1AE2C3753}"/>
               </a:ext>
             </a:extLst>
           </p:cNvPr>
@@ -7075,7 +7069,7 @@
           <p:cNvPr id="2" name="Straight Arrow Connector 1">
             <a:extLst>
               <a:ext uri="{FF2B5EF4-FFF2-40B4-BE49-F238E27FC236}">
-                <a16:creationId xmlns:a16="http://schemas.microsoft.com/office/drawing/2014/main" xmlns="" id="{825D95E1-8250-4172-ABA3-976541C2807C}"/>
+                <a16:creationId xmlns="" xmlns:a16="http://schemas.microsoft.com/office/drawing/2014/main" id="{825D95E1-8250-4172-ABA3-976541C2807C}"/>
               </a:ext>
             </a:extLst>
           </p:cNvPr>
@@ -7352,7 +7346,7 @@
           <p:cNvPr id="7" name="Título 1">
             <a:extLst>
               <a:ext uri="{FF2B5EF4-FFF2-40B4-BE49-F238E27FC236}">
-                <a16:creationId xmlns:a16="http://schemas.microsoft.com/office/drawing/2014/main" xmlns="" id="{99F76FBE-1BC2-4EE6-B90A-22263BF7BDCD}"/>
+                <a16:creationId xmlns="" xmlns:a16="http://schemas.microsoft.com/office/drawing/2014/main" id="{99F76FBE-1BC2-4EE6-B90A-22263BF7BDCD}"/>
               </a:ext>
             </a:extLst>
           </p:cNvPr>
@@ -7415,7 +7409,7 @@
           <p:cNvPr id="3" name="Picture 2">
             <a:extLst>
               <a:ext uri="{FF2B5EF4-FFF2-40B4-BE49-F238E27FC236}">
-                <a16:creationId xmlns:a16="http://schemas.microsoft.com/office/drawing/2014/main" xmlns="" id="{A5E95E14-1174-4815-814A-3FB16E71EF46}"/>
+                <a16:creationId xmlns="" xmlns:a16="http://schemas.microsoft.com/office/drawing/2014/main" id="{A5E95E14-1174-4815-814A-3FB16E71EF46}"/>
               </a:ext>
             </a:extLst>
           </p:cNvPr>
@@ -7628,7 +7622,7 @@
           <p:cNvPr id="3" name="Straight Arrow Connector 2">
             <a:extLst>
               <a:ext uri="{FF2B5EF4-FFF2-40B4-BE49-F238E27FC236}">
-                <a16:creationId xmlns:a16="http://schemas.microsoft.com/office/drawing/2014/main" xmlns="" id="{238B6891-9D9A-4548-BDE4-47054128BA41}"/>
+                <a16:creationId xmlns="" xmlns:a16="http://schemas.microsoft.com/office/drawing/2014/main" id="{238B6891-9D9A-4548-BDE4-47054128BA41}"/>
               </a:ext>
             </a:extLst>
           </p:cNvPr>
@@ -7669,7 +7663,7 @@
           <p:cNvPr id="7" name="Título 1">
             <a:extLst>
               <a:ext uri="{FF2B5EF4-FFF2-40B4-BE49-F238E27FC236}">
-                <a16:creationId xmlns:a16="http://schemas.microsoft.com/office/drawing/2014/main" xmlns="" id="{99F76FBE-1BC2-4EE6-B90A-22263BF7BDCD}"/>
+                <a16:creationId xmlns="" xmlns:a16="http://schemas.microsoft.com/office/drawing/2014/main" id="{99F76FBE-1BC2-4EE6-B90A-22263BF7BDCD}"/>
               </a:ext>
             </a:extLst>
           </p:cNvPr>
@@ -7732,7 +7726,7 @@
           <p:cNvPr id="10" name="Título 1">
             <a:extLst>
               <a:ext uri="{FF2B5EF4-FFF2-40B4-BE49-F238E27FC236}">
-                <a16:creationId xmlns:a16="http://schemas.microsoft.com/office/drawing/2014/main" xmlns="" id="{678E41F7-516A-49E2-B205-0A126C574C2E}"/>
+                <a16:creationId xmlns="" xmlns:a16="http://schemas.microsoft.com/office/drawing/2014/main" id="{678E41F7-516A-49E2-B205-0A126C574C2E}"/>
               </a:ext>
             </a:extLst>
           </p:cNvPr>
@@ -7810,7 +7804,7 @@
           <p:cNvPr id="11" name="Título 1">
             <a:extLst>
               <a:ext uri="{FF2B5EF4-FFF2-40B4-BE49-F238E27FC236}">
-                <a16:creationId xmlns:a16="http://schemas.microsoft.com/office/drawing/2014/main" xmlns="" id="{0CD946CA-FF61-4363-B296-4AF3D7FBC896}"/>
+                <a16:creationId xmlns="" xmlns:a16="http://schemas.microsoft.com/office/drawing/2014/main" id="{0CD946CA-FF61-4363-B296-4AF3D7FBC896}"/>
               </a:ext>
             </a:extLst>
           </p:cNvPr>
@@ -7888,7 +7882,7 @@
           <p:cNvPr id="12" name="Título 1">
             <a:extLst>
               <a:ext uri="{FF2B5EF4-FFF2-40B4-BE49-F238E27FC236}">
-                <a16:creationId xmlns:a16="http://schemas.microsoft.com/office/drawing/2014/main" xmlns="" id="{AB9726E8-CEB5-4829-BE8F-0EAF85278B5A}"/>
+                <a16:creationId xmlns="" xmlns:a16="http://schemas.microsoft.com/office/drawing/2014/main" id="{AB9726E8-CEB5-4829-BE8F-0EAF85278B5A}"/>
               </a:ext>
             </a:extLst>
           </p:cNvPr>
@@ -7966,7 +7960,7 @@
           <p:cNvPr id="15" name="Título 1">
             <a:extLst>
               <a:ext uri="{FF2B5EF4-FFF2-40B4-BE49-F238E27FC236}">
-                <a16:creationId xmlns:a16="http://schemas.microsoft.com/office/drawing/2014/main" xmlns="" id="{2EEDD670-B386-40A2-A879-9CF8F33DA40F}"/>
+                <a16:creationId xmlns="" xmlns:a16="http://schemas.microsoft.com/office/drawing/2014/main" id="{2EEDD670-B386-40A2-A879-9CF8F33DA40F}"/>
               </a:ext>
             </a:extLst>
           </p:cNvPr>
@@ -8044,7 +8038,7 @@
           <p:cNvPr id="16" name="Título 1">
             <a:extLst>
               <a:ext uri="{FF2B5EF4-FFF2-40B4-BE49-F238E27FC236}">
-                <a16:creationId xmlns:a16="http://schemas.microsoft.com/office/drawing/2014/main" xmlns="" id="{229589FA-FF5C-47DD-A54E-805F02B40D56}"/>
+                <a16:creationId xmlns="" xmlns:a16="http://schemas.microsoft.com/office/drawing/2014/main" id="{229589FA-FF5C-47DD-A54E-805F02B40D56}"/>
               </a:ext>
             </a:extLst>
           </p:cNvPr>
@@ -8122,7 +8116,7 @@
           <p:cNvPr id="17" name="Título 1">
             <a:extLst>
               <a:ext uri="{FF2B5EF4-FFF2-40B4-BE49-F238E27FC236}">
-                <a16:creationId xmlns:a16="http://schemas.microsoft.com/office/drawing/2014/main" xmlns="" id="{9A6A319D-B6D1-48C9-B967-DAB049B71962}"/>
+                <a16:creationId xmlns="" xmlns:a16="http://schemas.microsoft.com/office/drawing/2014/main" id="{9A6A319D-B6D1-48C9-B967-DAB049B71962}"/>
               </a:ext>
             </a:extLst>
           </p:cNvPr>
@@ -8200,7 +8194,7 @@
           <p:cNvPr id="18" name="Imagem 17">
             <a:extLst>
               <a:ext uri="{FF2B5EF4-FFF2-40B4-BE49-F238E27FC236}">
-                <a16:creationId xmlns:a16="http://schemas.microsoft.com/office/drawing/2014/main" xmlns="" id="{A69155FD-5341-487B-81D7-5E2880E09683}"/>
+                <a16:creationId xmlns="" xmlns:a16="http://schemas.microsoft.com/office/drawing/2014/main" id="{A69155FD-5341-487B-81D7-5E2880E09683}"/>
               </a:ext>
             </a:extLst>
           </p:cNvPr>
@@ -8236,7 +8230,7 @@
           <p:cNvPr id="5" name="Imagem 4" descr="Uma imagem contendo pessoa, no interior, homem, olhando&#10;&#10;Descrição gerada automaticamente">
             <a:extLst>
               <a:ext uri="{FF2B5EF4-FFF2-40B4-BE49-F238E27FC236}">
-                <a16:creationId xmlns:a16="http://schemas.microsoft.com/office/drawing/2014/main" xmlns="" id="{6C745D24-199A-4881-AE89-46E21608BE16}"/>
+                <a16:creationId xmlns="" xmlns:a16="http://schemas.microsoft.com/office/drawing/2014/main" id="{6C745D24-199A-4881-AE89-46E21608BE16}"/>
               </a:ext>
             </a:extLst>
           </p:cNvPr>
@@ -8272,7 +8266,7 @@
           <p:cNvPr id="8" name="Imagem 7" descr="Mulher de óculos posando para foto&#10;&#10;Descrição gerada automaticamente">
             <a:extLst>
               <a:ext uri="{FF2B5EF4-FFF2-40B4-BE49-F238E27FC236}">
-                <a16:creationId xmlns:a16="http://schemas.microsoft.com/office/drawing/2014/main" xmlns="" id="{FC4E1664-FD72-473B-9AA6-576FEBE87B95}"/>
+                <a16:creationId xmlns="" xmlns:a16="http://schemas.microsoft.com/office/drawing/2014/main" id="{FC4E1664-FD72-473B-9AA6-576FEBE87B95}"/>
               </a:ext>
             </a:extLst>
           </p:cNvPr>
@@ -8308,7 +8302,7 @@
           <p:cNvPr id="13" name="Imagem 12" descr="Menino sorrindo posando para foto&#10;&#10;Descrição gerada automaticamente">
             <a:extLst>
               <a:ext uri="{FF2B5EF4-FFF2-40B4-BE49-F238E27FC236}">
-                <a16:creationId xmlns:a16="http://schemas.microsoft.com/office/drawing/2014/main" xmlns="" id="{9CE75B2B-4F48-4749-8C51-76B8AF200AB6}"/>
+                <a16:creationId xmlns="" xmlns:a16="http://schemas.microsoft.com/office/drawing/2014/main" id="{9CE75B2B-4F48-4749-8C51-76B8AF200AB6}"/>
               </a:ext>
             </a:extLst>
           </p:cNvPr>
@@ -8344,7 +8338,7 @@
           <p:cNvPr id="19" name="Imagem 18" descr="Uma imagem contendo pessoa, vestuário, mulher, chapéu&#10;&#10;Descrição gerada automaticamente">
             <a:extLst>
               <a:ext uri="{FF2B5EF4-FFF2-40B4-BE49-F238E27FC236}">
-                <a16:creationId xmlns:a16="http://schemas.microsoft.com/office/drawing/2014/main" xmlns="" id="{EAADD116-6D5D-4F23-9BA1-67E971C3F6FD}"/>
+                <a16:creationId xmlns="" xmlns:a16="http://schemas.microsoft.com/office/drawing/2014/main" id="{EAADD116-6D5D-4F23-9BA1-67E971C3F6FD}"/>
               </a:ext>
             </a:extLst>
           </p:cNvPr>
@@ -8380,7 +8374,7 @@
           <p:cNvPr id="21" name="Imagem 20" descr="Menino de camisa preta&#10;&#10;Descrição gerada automaticamente">
             <a:extLst>
               <a:ext uri="{FF2B5EF4-FFF2-40B4-BE49-F238E27FC236}">
-                <a16:creationId xmlns:a16="http://schemas.microsoft.com/office/drawing/2014/main" xmlns="" id="{22A12B27-089B-438B-97E5-38C10B35395A}"/>
+                <a16:creationId xmlns="" xmlns:a16="http://schemas.microsoft.com/office/drawing/2014/main" id="{22A12B27-089B-438B-97E5-38C10B35395A}"/>
               </a:ext>
             </a:extLst>
           </p:cNvPr>
@@ -8416,7 +8410,7 @@
           <p:cNvPr id="20" name="Picture 2">
             <a:extLst>
               <a:ext uri="{FF2B5EF4-FFF2-40B4-BE49-F238E27FC236}">
-                <a16:creationId xmlns:a16="http://schemas.microsoft.com/office/drawing/2014/main" xmlns="" id="{5823B29F-7B62-4389-9250-63EBA3ABE63F}"/>
+                <a16:creationId xmlns="" xmlns:a16="http://schemas.microsoft.com/office/drawing/2014/main" id="{5823B29F-7B62-4389-9250-63EBA3ABE63F}"/>
               </a:ext>
             </a:extLst>
           </p:cNvPr>
@@ -9099,7 +9093,7 @@
           <p:cNvPr id="7" name="Título 1">
             <a:extLst>
               <a:ext uri="{FF2B5EF4-FFF2-40B4-BE49-F238E27FC236}">
-                <a16:creationId xmlns:a16="http://schemas.microsoft.com/office/drawing/2014/main" xmlns="" id="{99F76FBE-1BC2-4EE6-B90A-22263BF7BDCD}"/>
+                <a16:creationId xmlns="" xmlns:a16="http://schemas.microsoft.com/office/drawing/2014/main" id="{99F76FBE-1BC2-4EE6-B90A-22263BF7BDCD}"/>
               </a:ext>
             </a:extLst>
           </p:cNvPr>
@@ -9162,7 +9156,7 @@
           <p:cNvPr id="3" name="Picture 2">
             <a:extLst>
               <a:ext uri="{FF2B5EF4-FFF2-40B4-BE49-F238E27FC236}">
-                <a16:creationId xmlns:a16="http://schemas.microsoft.com/office/drawing/2014/main" xmlns="" id="{A5E95E14-1174-4815-814A-3FB16E71EF46}"/>
+                <a16:creationId xmlns="" xmlns:a16="http://schemas.microsoft.com/office/drawing/2014/main" id="{A5E95E14-1174-4815-814A-3FB16E71EF46}"/>
               </a:ext>
             </a:extLst>
           </p:cNvPr>
@@ -9209,7 +9203,7 @@
           <p:cNvPr id="4" name="Imagem 3" descr="Uma imagem contendo homem, atletismo, mulher, segurando&#10;&#10;Descrição gerada automaticamente">
             <a:extLst>
               <a:ext uri="{FF2B5EF4-FFF2-40B4-BE49-F238E27FC236}">
-                <a16:creationId xmlns:a16="http://schemas.microsoft.com/office/drawing/2014/main" xmlns="" id="{8C7F91F0-DCD8-4436-A809-E9763D748E22}"/>
+                <a16:creationId xmlns="" xmlns:a16="http://schemas.microsoft.com/office/drawing/2014/main" id="{8C7F91F0-DCD8-4436-A809-E9763D748E22}"/>
               </a:ext>
             </a:extLst>
           </p:cNvPr>
@@ -9245,7 +9239,7 @@
           <p:cNvPr id="6" name="Straight Arrow Connector 1">
             <a:extLst>
               <a:ext uri="{FF2B5EF4-FFF2-40B4-BE49-F238E27FC236}">
-                <a16:creationId xmlns:a16="http://schemas.microsoft.com/office/drawing/2014/main" xmlns="" id="{EF317FC1-ACAE-4693-9AF7-C538ED9B538A}"/>
+                <a16:creationId xmlns="" xmlns:a16="http://schemas.microsoft.com/office/drawing/2014/main" id="{EF317FC1-ACAE-4693-9AF7-C538ED9B538A}"/>
               </a:ext>
             </a:extLst>
           </p:cNvPr>
@@ -9487,7 +9481,7 @@
           <p:cNvPr id="2" name="Straight Arrow Connector 1">
             <a:extLst>
               <a:ext uri="{FF2B5EF4-FFF2-40B4-BE49-F238E27FC236}">
-                <a16:creationId xmlns:a16="http://schemas.microsoft.com/office/drawing/2014/main" xmlns="" id="{2A50C13F-38CB-4726-A175-5BC057C23492}"/>
+                <a16:creationId xmlns="" xmlns:a16="http://schemas.microsoft.com/office/drawing/2014/main" id="{2A50C13F-38CB-4726-A175-5BC057C23492}"/>
               </a:ext>
             </a:extLst>
           </p:cNvPr>
@@ -9528,7 +9522,7 @@
           <p:cNvPr id="7" name="Título 1">
             <a:extLst>
               <a:ext uri="{FF2B5EF4-FFF2-40B4-BE49-F238E27FC236}">
-                <a16:creationId xmlns:a16="http://schemas.microsoft.com/office/drawing/2014/main" xmlns="" id="{99F76FBE-1BC2-4EE6-B90A-22263BF7BDCD}"/>
+                <a16:creationId xmlns="" xmlns:a16="http://schemas.microsoft.com/office/drawing/2014/main" id="{99F76FBE-1BC2-4EE6-B90A-22263BF7BDCD}"/>
               </a:ext>
             </a:extLst>
           </p:cNvPr>
@@ -9591,7 +9585,7 @@
           <p:cNvPr id="4098" name="Picture 2" descr="Imagens Telemarketing | Vetores, fotos de arquivo e PSD grátis">
             <a:extLst>
               <a:ext uri="{FF2B5EF4-FFF2-40B4-BE49-F238E27FC236}">
-                <a16:creationId xmlns:a16="http://schemas.microsoft.com/office/drawing/2014/main" xmlns="" id="{3E46EC94-A677-40FE-ADA9-5B9036F756D9}"/>
+                <a16:creationId xmlns="" xmlns:a16="http://schemas.microsoft.com/office/drawing/2014/main" id="{3E46EC94-A677-40FE-ADA9-5B9036F756D9}"/>
               </a:ext>
             </a:extLst>
           </p:cNvPr>
@@ -9638,7 +9632,7 @@
           <p:cNvPr id="4" name="Picture 2">
             <a:extLst>
               <a:ext uri="{FF2B5EF4-FFF2-40B4-BE49-F238E27FC236}">
-                <a16:creationId xmlns:a16="http://schemas.microsoft.com/office/drawing/2014/main" xmlns="" id="{95805BE3-4A1A-4523-A540-D89AD3DB5CFB}"/>
+                <a16:creationId xmlns="" xmlns:a16="http://schemas.microsoft.com/office/drawing/2014/main" id="{95805BE3-4A1A-4523-A540-D89AD3DB5CFB}"/>
               </a:ext>
             </a:extLst>
           </p:cNvPr>
@@ -9685,7 +9679,7 @@
           <p:cNvPr id="6" name="Título 1">
             <a:extLst>
               <a:ext uri="{FF2B5EF4-FFF2-40B4-BE49-F238E27FC236}">
-                <a16:creationId xmlns:a16="http://schemas.microsoft.com/office/drawing/2014/main" xmlns="" id="{B6F48679-00C5-4A77-A553-A620B378115E}"/>
+                <a16:creationId xmlns="" xmlns:a16="http://schemas.microsoft.com/office/drawing/2014/main" id="{B6F48679-00C5-4A77-A553-A620B378115E}"/>
               </a:ext>
             </a:extLst>
           </p:cNvPr>
@@ -9759,13 +9753,7 @@
               <a:rPr lang="pt-BR" sz="2800" dirty="0" smtClean="0">
                 <a:latin typeface="Bariol Bold" panose="02000506040000020003"/>
               </a:rPr>
-              <a:t>Pandemia</a:t>
-            </a:r>
-            <a:r>
-              <a:rPr lang="pt-BR" sz="2800" dirty="0" smtClean="0">
-                <a:latin typeface="Bariol Bold" panose="02000506040000020003"/>
-              </a:rPr>
-              <a:t> </a:t>
+              <a:t>Pandemia </a:t>
             </a:r>
             <a:r>
               <a:rPr lang="pt-BR" sz="2800" dirty="0">
@@ -10086,7 +10074,7 @@
           <p:cNvPr id="7" name="Título 1">
             <a:extLst>
               <a:ext uri="{FF2B5EF4-FFF2-40B4-BE49-F238E27FC236}">
-                <a16:creationId xmlns:a16="http://schemas.microsoft.com/office/drawing/2014/main" xmlns="" id="{99F76FBE-1BC2-4EE6-B90A-22263BF7BDCD}"/>
+                <a16:creationId xmlns="" xmlns:a16="http://schemas.microsoft.com/office/drawing/2014/main" id="{99F76FBE-1BC2-4EE6-B90A-22263BF7BDCD}"/>
               </a:ext>
             </a:extLst>
           </p:cNvPr>
@@ -10149,7 +10137,7 @@
           <p:cNvPr id="9" name="Imagem 8">
             <a:extLst>
               <a:ext uri="{FF2B5EF4-FFF2-40B4-BE49-F238E27FC236}">
-                <a16:creationId xmlns:a16="http://schemas.microsoft.com/office/drawing/2014/main" xmlns="" id="{CD24726A-903B-41C4-B6DF-760C4CFE61AA}"/>
+                <a16:creationId xmlns="" xmlns:a16="http://schemas.microsoft.com/office/drawing/2014/main" id="{CD24726A-903B-41C4-B6DF-760C4CFE61AA}"/>
               </a:ext>
             </a:extLst>
           </p:cNvPr>
@@ -10185,7 +10173,7 @@
           <p:cNvPr id="4" name="Picture 2">
             <a:extLst>
               <a:ext uri="{FF2B5EF4-FFF2-40B4-BE49-F238E27FC236}">
-                <a16:creationId xmlns:a16="http://schemas.microsoft.com/office/drawing/2014/main" xmlns="" id="{F42FB2A8-7F94-4D7A-BF31-87B8DC9FEACF}"/>
+                <a16:creationId xmlns="" xmlns:a16="http://schemas.microsoft.com/office/drawing/2014/main" id="{F42FB2A8-7F94-4D7A-BF31-87B8DC9FEACF}"/>
               </a:ext>
             </a:extLst>
           </p:cNvPr>
@@ -10232,7 +10220,7 @@
           <p:cNvPr id="2" name="Straight Arrow Connector 1">
             <a:extLst>
               <a:ext uri="{FF2B5EF4-FFF2-40B4-BE49-F238E27FC236}">
-                <a16:creationId xmlns:a16="http://schemas.microsoft.com/office/drawing/2014/main" xmlns="" id="{767E2C2F-9178-48A2-B56C-EB623F4CF011}"/>
+                <a16:creationId xmlns="" xmlns:a16="http://schemas.microsoft.com/office/drawing/2014/main" id="{767E2C2F-9178-48A2-B56C-EB623F4CF011}"/>
               </a:ext>
             </a:extLst>
           </p:cNvPr>
@@ -10273,7 +10261,7 @@
           <p:cNvPr id="8" name="Título 1">
             <a:extLst>
               <a:ext uri="{FF2B5EF4-FFF2-40B4-BE49-F238E27FC236}">
-                <a16:creationId xmlns:a16="http://schemas.microsoft.com/office/drawing/2014/main" xmlns="" id="{AC3CD658-6C4C-49F8-8B83-5AE503BD9F21}"/>
+                <a16:creationId xmlns="" xmlns:a16="http://schemas.microsoft.com/office/drawing/2014/main" id="{AC3CD658-6C4C-49F8-8B83-5AE503BD9F21}"/>
               </a:ext>
             </a:extLst>
           </p:cNvPr>
@@ -10656,7 +10644,7 @@
           <p:cNvPr id="2" name="Straight Arrow Connector 1">
             <a:extLst>
               <a:ext uri="{FF2B5EF4-FFF2-40B4-BE49-F238E27FC236}">
-                <a16:creationId xmlns:a16="http://schemas.microsoft.com/office/drawing/2014/main" xmlns="" id="{2E2AAFA3-98E7-45F6-A84F-2B09E27F0E05}"/>
+                <a16:creationId xmlns="" xmlns:a16="http://schemas.microsoft.com/office/drawing/2014/main" id="{2E2AAFA3-98E7-45F6-A84F-2B09E27F0E05}"/>
               </a:ext>
             </a:extLst>
           </p:cNvPr>
@@ -10697,7 +10685,7 @@
           <p:cNvPr id="7" name="Título 1">
             <a:extLst>
               <a:ext uri="{FF2B5EF4-FFF2-40B4-BE49-F238E27FC236}">
-                <a16:creationId xmlns:a16="http://schemas.microsoft.com/office/drawing/2014/main" xmlns="" id="{99F76FBE-1BC2-4EE6-B90A-22263BF7BDCD}"/>
+                <a16:creationId xmlns="" xmlns:a16="http://schemas.microsoft.com/office/drawing/2014/main" id="{99F76FBE-1BC2-4EE6-B90A-22263BF7BDCD}"/>
               </a:ext>
             </a:extLst>
           </p:cNvPr>
@@ -10760,7 +10748,7 @@
           <p:cNvPr id="3" name="Imagem 2" descr="Uma imagem contendo computador, mesa, placar&#10;&#10;Descrição gerada automaticamente">
             <a:extLst>
               <a:ext uri="{FF2B5EF4-FFF2-40B4-BE49-F238E27FC236}">
-                <a16:creationId xmlns:a16="http://schemas.microsoft.com/office/drawing/2014/main" xmlns="" id="{E7722BCF-4D3E-4881-85FC-FDFB0A9C5D26}"/>
+                <a16:creationId xmlns="" xmlns:a16="http://schemas.microsoft.com/office/drawing/2014/main" id="{E7722BCF-4D3E-4881-85FC-FDFB0A9C5D26}"/>
               </a:ext>
             </a:extLst>
           </p:cNvPr>
@@ -10796,7 +10784,7 @@
           <p:cNvPr id="5" name="Imagem 4" descr="Uma imagem contendo computador, mesa, placar&#10;&#10;Descrição gerada automaticamente">
             <a:extLst>
               <a:ext uri="{FF2B5EF4-FFF2-40B4-BE49-F238E27FC236}">
-                <a16:creationId xmlns:a16="http://schemas.microsoft.com/office/drawing/2014/main" xmlns="" id="{1BA5416E-FED9-4D36-B076-4C0B63CC04DF}"/>
+                <a16:creationId xmlns="" xmlns:a16="http://schemas.microsoft.com/office/drawing/2014/main" id="{1BA5416E-FED9-4D36-B076-4C0B63CC04DF}"/>
               </a:ext>
             </a:extLst>
           </p:cNvPr>
@@ -10832,7 +10820,7 @@
           <p:cNvPr id="12" name="Picture 2">
             <a:extLst>
               <a:ext uri="{FF2B5EF4-FFF2-40B4-BE49-F238E27FC236}">
-                <a16:creationId xmlns:a16="http://schemas.microsoft.com/office/drawing/2014/main" xmlns="" id="{0D6D5F2D-E216-4EF8-B7A0-DCF27C26833B}"/>
+                <a16:creationId xmlns="" xmlns:a16="http://schemas.microsoft.com/office/drawing/2014/main" id="{0D6D5F2D-E216-4EF8-B7A0-DCF27C26833B}"/>
               </a:ext>
             </a:extLst>
           </p:cNvPr>
@@ -11150,7 +11138,7 @@
           <p:cNvPr id="2" name="Straight Arrow Connector 1">
             <a:extLst>
               <a:ext uri="{FF2B5EF4-FFF2-40B4-BE49-F238E27FC236}">
-                <a16:creationId xmlns:a16="http://schemas.microsoft.com/office/drawing/2014/main" xmlns="" id="{0E879EDF-FD29-4671-BCE0-08B24F0E6335}"/>
+                <a16:creationId xmlns="" xmlns:a16="http://schemas.microsoft.com/office/drawing/2014/main" id="{0E879EDF-FD29-4671-BCE0-08B24F0E6335}"/>
               </a:ext>
             </a:extLst>
           </p:cNvPr>
@@ -11191,7 +11179,7 @@
           <p:cNvPr id="7" name="Título 1">
             <a:extLst>
               <a:ext uri="{FF2B5EF4-FFF2-40B4-BE49-F238E27FC236}">
-                <a16:creationId xmlns:a16="http://schemas.microsoft.com/office/drawing/2014/main" xmlns="" id="{99F76FBE-1BC2-4EE6-B90A-22263BF7BDCD}"/>
+                <a16:creationId xmlns="" xmlns:a16="http://schemas.microsoft.com/office/drawing/2014/main" id="{99F76FBE-1BC2-4EE6-B90A-22263BF7BDCD}"/>
               </a:ext>
             </a:extLst>
           </p:cNvPr>
@@ -11254,7 +11242,7 @@
           <p:cNvPr id="8" name="Imagem 7" descr="Uma imagem contendo computador, mesa, quarto&#10;&#10;Descrição gerada automaticamente">
             <a:extLst>
               <a:ext uri="{FF2B5EF4-FFF2-40B4-BE49-F238E27FC236}">
-                <a16:creationId xmlns:a16="http://schemas.microsoft.com/office/drawing/2014/main" xmlns="" id="{D6CF6015-2714-4F93-AC2D-8050829F4D79}"/>
+                <a16:creationId xmlns="" xmlns:a16="http://schemas.microsoft.com/office/drawing/2014/main" id="{D6CF6015-2714-4F93-AC2D-8050829F4D79}"/>
               </a:ext>
             </a:extLst>
           </p:cNvPr>
@@ -11290,7 +11278,7 @@
           <p:cNvPr id="10" name="Imagem 9">
             <a:extLst>
               <a:ext uri="{FF2B5EF4-FFF2-40B4-BE49-F238E27FC236}">
-                <a16:creationId xmlns:a16="http://schemas.microsoft.com/office/drawing/2014/main" xmlns="" id="{1AA6D7F6-3ED2-4B47-AF1E-77D85B0F9C44}"/>
+                <a16:creationId xmlns="" xmlns:a16="http://schemas.microsoft.com/office/drawing/2014/main" id="{1AA6D7F6-3ED2-4B47-AF1E-77D85B0F9C44}"/>
               </a:ext>
             </a:extLst>
           </p:cNvPr>
@@ -11325,7 +11313,7 @@
           <p:cNvPr id="9" name="Picture 2">
             <a:extLst>
               <a:ext uri="{FF2B5EF4-FFF2-40B4-BE49-F238E27FC236}">
-                <a16:creationId xmlns:a16="http://schemas.microsoft.com/office/drawing/2014/main" xmlns="" id="{EA898A82-4831-4FF2-8BCE-84766B41F593}"/>
+                <a16:creationId xmlns="" xmlns:a16="http://schemas.microsoft.com/office/drawing/2014/main" id="{EA898A82-4831-4FF2-8BCE-84766B41F593}"/>
               </a:ext>
             </a:extLst>
           </p:cNvPr>
@@ -11643,7 +11631,7 @@
           <p:cNvPr id="7" name="Título 1">
             <a:extLst>
               <a:ext uri="{FF2B5EF4-FFF2-40B4-BE49-F238E27FC236}">
-                <a16:creationId xmlns:a16="http://schemas.microsoft.com/office/drawing/2014/main" xmlns="" id="{99F76FBE-1BC2-4EE6-B90A-22263BF7BDCD}"/>
+                <a16:creationId xmlns="" xmlns:a16="http://schemas.microsoft.com/office/drawing/2014/main" id="{99F76FBE-1BC2-4EE6-B90A-22263BF7BDCD}"/>
               </a:ext>
             </a:extLst>
           </p:cNvPr>
@@ -11706,7 +11694,7 @@
           <p:cNvPr id="3" name="Picture 2">
             <a:extLst>
               <a:ext uri="{FF2B5EF4-FFF2-40B4-BE49-F238E27FC236}">
-                <a16:creationId xmlns:a16="http://schemas.microsoft.com/office/drawing/2014/main" xmlns="" id="{AC4DAA30-492A-469B-B805-07A08939929B}"/>
+                <a16:creationId xmlns="" xmlns:a16="http://schemas.microsoft.com/office/drawing/2014/main" id="{AC4DAA30-492A-469B-B805-07A08939929B}"/>
               </a:ext>
             </a:extLst>
           </p:cNvPr>
@@ -11753,7 +11741,7 @@
           <p:cNvPr id="4" name="Imagem 3">
             <a:extLst>
               <a:ext uri="{FF2B5EF4-FFF2-40B4-BE49-F238E27FC236}">
-                <a16:creationId xmlns:a16="http://schemas.microsoft.com/office/drawing/2014/main" xmlns="" id="{2470A4C6-8432-4A0E-811B-1A4FF840AE5D}"/>
+                <a16:creationId xmlns="" xmlns:a16="http://schemas.microsoft.com/office/drawing/2014/main" id="{2470A4C6-8432-4A0E-811B-1A4FF840AE5D}"/>
               </a:ext>
             </a:extLst>
           </p:cNvPr>
@@ -11789,7 +11777,7 @@
           <p:cNvPr id="6" name="Imagem 5">
             <a:extLst>
               <a:ext uri="{FF2B5EF4-FFF2-40B4-BE49-F238E27FC236}">
-                <a16:creationId xmlns:a16="http://schemas.microsoft.com/office/drawing/2014/main" xmlns="" id="{C579D106-AB86-44A3-AF66-F77133BCEFE8}"/>
+                <a16:creationId xmlns="" xmlns:a16="http://schemas.microsoft.com/office/drawing/2014/main" id="{C579D106-AB86-44A3-AF66-F77133BCEFE8}"/>
               </a:ext>
             </a:extLst>
           </p:cNvPr>
@@ -11825,7 +11813,7 @@
           <p:cNvPr id="9" name="Imagem 8">
             <a:extLst>
               <a:ext uri="{FF2B5EF4-FFF2-40B4-BE49-F238E27FC236}">
-                <a16:creationId xmlns:a16="http://schemas.microsoft.com/office/drawing/2014/main" xmlns="" id="{7C695A83-F9AC-4871-8CF1-C80CF9FD7957}"/>
+                <a16:creationId xmlns="" xmlns:a16="http://schemas.microsoft.com/office/drawing/2014/main" id="{7C695A83-F9AC-4871-8CF1-C80CF9FD7957}"/>
               </a:ext>
             </a:extLst>
           </p:cNvPr>
@@ -11861,7 +11849,7 @@
           <p:cNvPr id="11" name="Imagem 10" descr="Mulher de óculos posando para foto&#10;&#10;Descrição gerada automaticamente">
             <a:extLst>
               <a:ext uri="{FF2B5EF4-FFF2-40B4-BE49-F238E27FC236}">
-                <a16:creationId xmlns:a16="http://schemas.microsoft.com/office/drawing/2014/main" xmlns="" id="{8327A709-7859-4596-B314-B69C101CBD5B}"/>
+                <a16:creationId xmlns="" xmlns:a16="http://schemas.microsoft.com/office/drawing/2014/main" id="{8327A709-7859-4596-B314-B69C101CBD5B}"/>
               </a:ext>
             </a:extLst>
           </p:cNvPr>
@@ -11903,7 +11891,7 @@
           <p:cNvPr id="2" name="Straight Arrow Connector 1">
             <a:extLst>
               <a:ext uri="{FF2B5EF4-FFF2-40B4-BE49-F238E27FC236}">
-                <a16:creationId xmlns:a16="http://schemas.microsoft.com/office/drawing/2014/main" xmlns="" id="{8979F1CA-9C59-404E-971E-821E507AD83F}"/>
+                <a16:creationId xmlns="" xmlns:a16="http://schemas.microsoft.com/office/drawing/2014/main" id="{8979F1CA-9C59-404E-971E-821E507AD83F}"/>
               </a:ext>
             </a:extLst>
           </p:cNvPr>
@@ -12303,7 +12291,7 @@
           <p:cNvPr id="2" name="Straight Arrow Connector 1">
             <a:extLst>
               <a:ext uri="{FF2B5EF4-FFF2-40B4-BE49-F238E27FC236}">
-                <a16:creationId xmlns:a16="http://schemas.microsoft.com/office/drawing/2014/main" xmlns="" id="{8067B5E4-5CC9-4738-A6C6-0C51E8FD5F7E}"/>
+                <a16:creationId xmlns="" xmlns:a16="http://schemas.microsoft.com/office/drawing/2014/main" id="{8067B5E4-5CC9-4738-A6C6-0C51E8FD5F7E}"/>
               </a:ext>
             </a:extLst>
           </p:cNvPr>
@@ -12344,7 +12332,7 @@
           <p:cNvPr id="7" name="Título 1">
             <a:extLst>
               <a:ext uri="{FF2B5EF4-FFF2-40B4-BE49-F238E27FC236}">
-                <a16:creationId xmlns:a16="http://schemas.microsoft.com/office/drawing/2014/main" xmlns="" id="{99F76FBE-1BC2-4EE6-B90A-22263BF7BDCD}"/>
+                <a16:creationId xmlns="" xmlns:a16="http://schemas.microsoft.com/office/drawing/2014/main" id="{99F76FBE-1BC2-4EE6-B90A-22263BF7BDCD}"/>
               </a:ext>
             </a:extLst>
           </p:cNvPr>
@@ -12407,7 +12395,7 @@
           <p:cNvPr id="3" name="Imagem 2" descr="Uma imagem contendo atletismo, homem, mulher, jovem&#10;&#10;Descrição gerada automaticamente">
             <a:extLst>
               <a:ext uri="{FF2B5EF4-FFF2-40B4-BE49-F238E27FC236}">
-                <a16:creationId xmlns:a16="http://schemas.microsoft.com/office/drawing/2014/main" xmlns="" id="{C1A98800-58DC-4483-87DF-2963DFDEA1E7}"/>
+                <a16:creationId xmlns="" xmlns:a16="http://schemas.microsoft.com/office/drawing/2014/main" id="{C1A98800-58DC-4483-87DF-2963DFDEA1E7}"/>
               </a:ext>
             </a:extLst>
           </p:cNvPr>
@@ -12443,7 +12431,7 @@
           <p:cNvPr id="4" name="Picture 2">
             <a:extLst>
               <a:ext uri="{FF2B5EF4-FFF2-40B4-BE49-F238E27FC236}">
-                <a16:creationId xmlns:a16="http://schemas.microsoft.com/office/drawing/2014/main" xmlns="" id="{81A7A57C-8BAD-40FC-9628-0A271DFBCD32}"/>
+                <a16:creationId xmlns="" xmlns:a16="http://schemas.microsoft.com/office/drawing/2014/main" id="{81A7A57C-8BAD-40FC-9628-0A271DFBCD32}"/>
               </a:ext>
             </a:extLst>
           </p:cNvPr>
@@ -12490,7 +12478,7 @@
           <p:cNvPr id="8" name="Título 1">
             <a:extLst>
               <a:ext uri="{FF2B5EF4-FFF2-40B4-BE49-F238E27FC236}">
-                <a16:creationId xmlns:a16="http://schemas.microsoft.com/office/drawing/2014/main" xmlns="" id="{D8EF5F0E-CD81-4152-8D0B-8902A213ECB2}"/>
+                <a16:creationId xmlns="" xmlns:a16="http://schemas.microsoft.com/office/drawing/2014/main" id="{D8EF5F0E-CD81-4152-8D0B-8902A213ECB2}"/>
               </a:ext>
             </a:extLst>
           </p:cNvPr>
@@ -12873,7 +12861,7 @@
           <p:cNvPr id="2" name="Straight Arrow Connector 1">
             <a:extLst>
               <a:ext uri="{FF2B5EF4-FFF2-40B4-BE49-F238E27FC236}">
-                <a16:creationId xmlns:a16="http://schemas.microsoft.com/office/drawing/2014/main" xmlns="" id="{E8D38C0A-F3C1-4051-ABE3-35FA8150390A}"/>
+                <a16:creationId xmlns="" xmlns:a16="http://schemas.microsoft.com/office/drawing/2014/main" id="{E8D38C0A-F3C1-4051-ABE3-35FA8150390A}"/>
               </a:ext>
             </a:extLst>
           </p:cNvPr>
@@ -12914,7 +12902,7 @@
           <p:cNvPr id="7" name="Título 1">
             <a:extLst>
               <a:ext uri="{FF2B5EF4-FFF2-40B4-BE49-F238E27FC236}">
-                <a16:creationId xmlns:a16="http://schemas.microsoft.com/office/drawing/2014/main" xmlns="" id="{99F76FBE-1BC2-4EE6-B90A-22263BF7BDCD}"/>
+                <a16:creationId xmlns="" xmlns:a16="http://schemas.microsoft.com/office/drawing/2014/main" id="{99F76FBE-1BC2-4EE6-B90A-22263BF7BDCD}"/>
               </a:ext>
             </a:extLst>
           </p:cNvPr>
@@ -12977,7 +12965,7 @@
           <p:cNvPr id="3" name="Imagem 2" descr="Uma imagem contendo mesa, atletismo&#10;&#10;Descrição gerada automaticamente">
             <a:extLst>
               <a:ext uri="{FF2B5EF4-FFF2-40B4-BE49-F238E27FC236}">
-                <a16:creationId xmlns:a16="http://schemas.microsoft.com/office/drawing/2014/main" xmlns="" id="{4F1DEA53-EAA9-41BE-AAAD-67147C20EFA3}"/>
+                <a16:creationId xmlns="" xmlns:a16="http://schemas.microsoft.com/office/drawing/2014/main" id="{4F1DEA53-EAA9-41BE-AAAD-67147C20EFA3}"/>
               </a:ext>
             </a:extLst>
           </p:cNvPr>
@@ -13013,7 +13001,7 @@
           <p:cNvPr id="4" name="Picture 2">
             <a:extLst>
               <a:ext uri="{FF2B5EF4-FFF2-40B4-BE49-F238E27FC236}">
-                <a16:creationId xmlns:a16="http://schemas.microsoft.com/office/drawing/2014/main" xmlns="" id="{D63799FE-FD58-46C7-8DD5-1902EEB7FE5C}"/>
+                <a16:creationId xmlns="" xmlns:a16="http://schemas.microsoft.com/office/drawing/2014/main" id="{D63799FE-FD58-46C7-8DD5-1902EEB7FE5C}"/>
               </a:ext>
             </a:extLst>
           </p:cNvPr>
